--- a/课程PPT/11.JS中的立即执行表达式IIFE.pptx
+++ b/课程PPT/11.JS中的立即执行表达式IIFE.pptx
@@ -5,23 +5,23 @@
     <p:sldMasterId id="2147483648" r:id="rId1"/>
   </p:sldMasterIdLst>
   <p:notesMasterIdLst>
-    <p:notesMasterId r:id="rId16"/>
+    <p:notesMasterId r:id="rId6"/>
   </p:notesMasterIdLst>
   <p:sldIdLst>
-    <p:sldId id="1391" r:id="rId2"/>
-    <p:sldId id="1392" r:id="rId3"/>
-    <p:sldId id="1393" r:id="rId4"/>
-    <p:sldId id="1394" r:id="rId5"/>
-    <p:sldId id="1395" r:id="rId6"/>
-    <p:sldId id="1396" r:id="rId7"/>
-    <p:sldId id="1397" r:id="rId8"/>
-    <p:sldId id="1398" r:id="rId9"/>
-    <p:sldId id="1399" r:id="rId10"/>
-    <p:sldId id="1400" r:id="rId11"/>
-    <p:sldId id="1401" r:id="rId12"/>
-    <p:sldId id="1428" r:id="rId13"/>
-    <p:sldId id="1402" r:id="rId14"/>
-    <p:sldId id="1404" r:id="rId15"/>
+    <p:sldId id="1391" r:id="rId3"/>
+    <p:sldId id="1392" r:id="rId4"/>
+    <p:sldId id="1393" r:id="rId5"/>
+    <p:sldId id="1394" r:id="rId7"/>
+    <p:sldId id="1395" r:id="rId8"/>
+    <p:sldId id="1396" r:id="rId9"/>
+    <p:sldId id="1397" r:id="rId10"/>
+    <p:sldId id="1398" r:id="rId11"/>
+    <p:sldId id="1399" r:id="rId12"/>
+    <p:sldId id="1400" r:id="rId13"/>
+    <p:sldId id="1401" r:id="rId14"/>
+    <p:sldId id="1428" r:id="rId15"/>
+    <p:sldId id="1402" r:id="rId16"/>
+    <p:sldId id="1431" r:id="rId17"/>
   </p:sldIdLst>
   <p:sldSz cx="12192000" cy="6858000"/>
   <p:notesSz cx="6797675" cy="9928225"/>
@@ -340,6 +340,7 @@
               <a:rPr lang="zh-CN" altLang="zh-CN" noProof="0" smtClean="0"/>
               <a:t>                                                   </a:t>
             </a:r>
+            <a:endParaRPr lang="zh-CN" altLang="zh-CN" noProof="0" smtClean="0"/>
           </a:p>
           <a:p>
             <a:pPr lvl="1"/>
@@ -347,6 +348,7 @@
               <a:rPr lang="zh-CN" altLang="zh-CN" noProof="0" smtClean="0"/>
               <a:t>               </a:t>
             </a:r>
+            <a:endParaRPr lang="zh-CN" altLang="zh-CN" noProof="0" smtClean="0"/>
           </a:p>
           <a:p>
             <a:pPr lvl="2"/>
@@ -354,6 +356,7 @@
               <a:rPr lang="zh-CN" altLang="zh-CN" noProof="0" smtClean="0"/>
               <a:t>                </a:t>
             </a:r>
+            <a:endParaRPr lang="zh-CN" altLang="zh-CN" noProof="0" smtClean="0"/>
           </a:p>
           <a:p>
             <a:pPr lvl="3"/>
@@ -361,6 +364,7 @@
               <a:rPr lang="zh-CN" altLang="zh-CN" noProof="0" smtClean="0"/>
               <a:t>                </a:t>
             </a:r>
+            <a:endParaRPr lang="zh-CN" altLang="zh-CN" noProof="0" smtClean="0"/>
           </a:p>
           <a:p>
             <a:pPr lvl="4"/>
@@ -368,6 +372,7 @@
               <a:rPr lang="zh-CN" altLang="zh-CN" noProof="0" smtClean="0"/>
               <a:t>                </a:t>
             </a:r>
+            <a:endParaRPr lang="zh-CN" altLang="zh-CN" noProof="0" smtClean="0"/>
           </a:p>
         </p:txBody>
       </p:sp>
@@ -450,18 +455,12 @@
           <a:p>
             <a:fld id="{D9AFD278-84AA-4CAA-9049-809825956FE0}" type="slidenum">
               <a:rPr lang="en-US" altLang="zh-CN"/>
-              <a:t>‹#›</a:t>
             </a:fld>
             <a:endParaRPr lang="zh-CN" altLang="zh-CN"/>
           </a:p>
         </p:txBody>
       </p:sp>
     </p:spTree>
-    <p:extLst>
-      <p:ext uri="{BB962C8B-B14F-4D97-AF65-F5344CB8AC3E}">
-        <p14:creationId xmlns:p14="http://schemas.microsoft.com/office/powerpoint/2010/main" val="477961150"/>
-      </p:ext>
-    </p:extLst>
   </p:cSld>
   <p:clrMap bg1="lt1" tx1="dk1" bg2="lt2" tx2="dk2" accent1="accent1" accent2="accent2" accent3="accent3" accent4="accent4" accent5="accent5" accent6="accent6" hlink="hlink" folHlink="folHlink"/>
   <p:notesStyle>
@@ -648,6 +647,7 @@
               <a:rPr lang="zh-CN" altLang="en-US" dirty="0"/>
               <a:t>函数名：函数声明必须有函数名、函数表达式可以没有函数名（担有的话，有利于调用栈追踪和函数递归）</a:t>
             </a:r>
+            <a:endParaRPr lang="zh-CN" altLang="en-US" dirty="0"/>
           </a:p>
           <a:p>
             <a:r>
@@ -662,6 +662,7 @@
               <a:rPr lang="zh-CN" altLang="en-US" dirty="0"/>
               <a:t>函数作用域为范围，对变量或函数进行声明提前</a:t>
             </a:r>
+            <a:endParaRPr lang="zh-CN" altLang="en-US" dirty="0"/>
           </a:p>
         </p:txBody>
       </p:sp>
@@ -682,7 +683,6 @@
           <a:p>
             <a:fld id="{D9AFD278-84AA-4CAA-9049-809825956FE0}" type="slidenum">
               <a:rPr lang="en-US" altLang="zh-CN" smtClean="0"/>
-              <a:t>3</a:t>
             </a:fld>
             <a:endParaRPr lang="zh-CN" altLang="zh-CN"/>
           </a:p>
@@ -752,6 +752,7 @@
               <a:rPr lang="zh-CN" altLang="en-US" dirty="0"/>
               <a:t>左边是否有标识，决定了是按定义来对待，还是按表达式来对待。</a:t>
             </a:r>
+            <a:endParaRPr lang="zh-CN" altLang="en-US" dirty="0"/>
           </a:p>
         </p:txBody>
       </p:sp>
@@ -772,7 +773,6 @@
           <a:p>
             <a:fld id="{D9AFD278-84AA-4CAA-9049-809825956FE0}" type="slidenum">
               <a:rPr lang="en-US" altLang="zh-CN" smtClean="0"/>
-              <a:t>4</a:t>
             </a:fld>
             <a:endParaRPr lang="zh-CN" altLang="zh-CN"/>
           </a:p>
@@ -852,48 +852,56 @@
               <a:rPr lang="zh-CN" altLang="en-US" dirty="0"/>
               <a:t>{</a:t>
             </a:r>
+            <a:endParaRPr lang="zh-CN" altLang="en-US" dirty="0"/>
           </a:p>
           <a:p>
             <a:r>
               <a:rPr lang="zh-CN" altLang="en-US" dirty="0"/>
               <a:t>  {</a:t>
             </a:r>
+            <a:endParaRPr lang="zh-CN" altLang="en-US" dirty="0"/>
           </a:p>
           <a:p>
             <a:r>
               <a:rPr lang="zh-CN" altLang="en-US" dirty="0"/>
               <a:t>  var i = 10;</a:t>
             </a:r>
+            <a:endParaRPr lang="zh-CN" altLang="en-US" dirty="0"/>
           </a:p>
           <a:p>
             <a:r>
               <a:rPr lang="zh-CN" altLang="en-US" dirty="0"/>
               <a:t>  console.log(i);</a:t>
             </a:r>
+            <a:endParaRPr lang="zh-CN" altLang="en-US" dirty="0"/>
           </a:p>
           <a:p>
             <a:r>
               <a:rPr lang="zh-CN" altLang="en-US" dirty="0"/>
               <a:t>  i++;</a:t>
             </a:r>
+            <a:endParaRPr lang="zh-CN" altLang="en-US" dirty="0"/>
           </a:p>
           <a:p>
             <a:r>
               <a:rPr lang="zh-CN" altLang="en-US" dirty="0"/>
               <a:t>  }</a:t>
             </a:r>
+            <a:endParaRPr lang="zh-CN" altLang="en-US" dirty="0"/>
           </a:p>
           <a:p>
             <a:r>
               <a:rPr lang="zh-CN" altLang="en-US" dirty="0"/>
               <a:t>console.log(i);</a:t>
             </a:r>
+            <a:endParaRPr lang="zh-CN" altLang="en-US" dirty="0"/>
           </a:p>
           <a:p>
             <a:r>
               <a:rPr lang="zh-CN" altLang="en-US" dirty="0"/>
               <a:t>}</a:t>
             </a:r>
+            <a:endParaRPr lang="zh-CN" altLang="en-US" dirty="0"/>
           </a:p>
           <a:p>
             <a:r>
@@ -924,7 +932,6 @@
           <a:p>
             <a:fld id="{D9AFD278-84AA-4CAA-9049-809825956FE0}" type="slidenum">
               <a:rPr lang="en-US" altLang="zh-CN" smtClean="0"/>
-              <a:t>6</a:t>
             </a:fld>
             <a:endParaRPr lang="zh-CN" altLang="zh-CN"/>
           </a:p>
@@ -1004,48 +1011,56 @@
               <a:rPr lang="zh-CN" altLang="en-US" dirty="0"/>
               <a:t>{</a:t>
             </a:r>
+            <a:endParaRPr lang="zh-CN" altLang="en-US" dirty="0"/>
           </a:p>
           <a:p>
             <a:r>
               <a:rPr lang="zh-CN" altLang="en-US" dirty="0"/>
               <a:t>  {</a:t>
             </a:r>
+            <a:endParaRPr lang="zh-CN" altLang="en-US" dirty="0"/>
           </a:p>
           <a:p>
             <a:r>
               <a:rPr lang="zh-CN" altLang="en-US" dirty="0"/>
               <a:t>  var i = 10;</a:t>
             </a:r>
+            <a:endParaRPr lang="zh-CN" altLang="en-US" dirty="0"/>
           </a:p>
           <a:p>
             <a:r>
               <a:rPr lang="zh-CN" altLang="en-US" dirty="0"/>
               <a:t>  console.log(i);</a:t>
             </a:r>
+            <a:endParaRPr lang="zh-CN" altLang="en-US" dirty="0"/>
           </a:p>
           <a:p>
             <a:r>
               <a:rPr lang="zh-CN" altLang="en-US" dirty="0"/>
               <a:t>  i++;</a:t>
             </a:r>
+            <a:endParaRPr lang="zh-CN" altLang="en-US" dirty="0"/>
           </a:p>
           <a:p>
             <a:r>
               <a:rPr lang="zh-CN" altLang="en-US" dirty="0"/>
               <a:t>  }</a:t>
             </a:r>
+            <a:endParaRPr lang="zh-CN" altLang="en-US" dirty="0"/>
           </a:p>
           <a:p>
             <a:r>
               <a:rPr lang="zh-CN" altLang="en-US" dirty="0"/>
               <a:t>console.log(i);</a:t>
             </a:r>
+            <a:endParaRPr lang="zh-CN" altLang="en-US" dirty="0"/>
           </a:p>
           <a:p>
             <a:r>
               <a:rPr lang="zh-CN" altLang="en-US" dirty="0"/>
               <a:t>}</a:t>
             </a:r>
+            <a:endParaRPr lang="zh-CN" altLang="en-US" dirty="0"/>
           </a:p>
           <a:p>
             <a:r>
@@ -1076,7 +1091,6 @@
           <a:p>
             <a:fld id="{D9AFD278-84AA-4CAA-9049-809825956FE0}" type="slidenum">
               <a:rPr lang="en-US" altLang="zh-CN" smtClean="0"/>
-              <a:t>7</a:t>
             </a:fld>
             <a:endParaRPr lang="zh-CN" altLang="zh-CN"/>
           </a:p>
@@ -1155,7 +1169,6 @@
           <a:p>
             <a:fld id="{D9AFD278-84AA-4CAA-9049-809825956FE0}" type="slidenum">
               <a:rPr lang="en-US" altLang="zh-CN" smtClean="0"/>
-              <a:t>8</a:t>
             </a:fld>
             <a:endParaRPr lang="zh-CN" altLang="zh-CN"/>
           </a:p>
@@ -1407,6 +1420,7 @@
               <a:rPr lang="zh-CN" altLang="en-US" dirty="0" smtClean="0"/>
               <a:t>单击此处编辑母版文本样式</a:t>
             </a:r>
+            <a:endParaRPr lang="zh-CN" altLang="en-US" dirty="0" smtClean="0"/>
           </a:p>
           <a:p>
             <a:pPr lvl="1"/>
@@ -1414,6 +1428,7 @@
               <a:rPr lang="zh-CN" altLang="en-US" dirty="0" smtClean="0"/>
               <a:t>第二级</a:t>
             </a:r>
+            <a:endParaRPr lang="zh-CN" altLang="en-US" dirty="0" smtClean="0"/>
           </a:p>
           <a:p>
             <a:pPr lvl="2"/>
@@ -1421,6 +1436,7 @@
               <a:rPr lang="zh-CN" altLang="en-US" dirty="0" smtClean="0"/>
               <a:t>第三级</a:t>
             </a:r>
+            <a:endParaRPr lang="zh-CN" altLang="en-US" dirty="0" smtClean="0"/>
           </a:p>
           <a:p>
             <a:pPr lvl="3"/>
@@ -1428,6 +1444,7 @@
               <a:rPr lang="zh-CN" altLang="en-US" dirty="0" smtClean="0"/>
               <a:t>第四级</a:t>
             </a:r>
+            <a:endParaRPr lang="zh-CN" altLang="en-US" dirty="0" smtClean="0"/>
           </a:p>
         </p:txBody>
       </p:sp>
@@ -1489,6 +1506,7 @@
               <a:rPr lang="zh-CN" altLang="en-US" dirty="0" smtClean="0"/>
               <a:t>单击此处编辑母版文本样式</a:t>
             </a:r>
+            <a:endParaRPr lang="zh-CN" altLang="en-US" dirty="0" smtClean="0"/>
           </a:p>
         </p:txBody>
       </p:sp>
@@ -1545,7 +1563,6 @@
           <a:p>
             <a:fld id="{2030C94F-1E7C-47E3-9C60-176A530B03BF}" type="slidenum">
               <a:rPr lang="en-US" altLang="zh-CN"/>
-              <a:t>‹#›</a:t>
             </a:fld>
             <a:endParaRPr lang="zh-CN" altLang="zh-CN" sz="3200" b="0"/>
           </a:p>
@@ -1636,6 +1653,7 @@
               <a:rPr lang="zh-CN" altLang="en-US" dirty="0" smtClean="0"/>
               <a:t>单击此处编辑母版文本样式</a:t>
             </a:r>
+            <a:endParaRPr lang="zh-CN" altLang="en-US" dirty="0" smtClean="0"/>
           </a:p>
           <a:p>
             <a:pPr lvl="1"/>
@@ -1643,6 +1661,7 @@
               <a:rPr lang="zh-CN" altLang="en-US" dirty="0" smtClean="0"/>
               <a:t>第二级</a:t>
             </a:r>
+            <a:endParaRPr lang="zh-CN" altLang="en-US" dirty="0" smtClean="0"/>
           </a:p>
           <a:p>
             <a:pPr lvl="2"/>
@@ -1650,6 +1669,7 @@
               <a:rPr lang="zh-CN" altLang="en-US" dirty="0" smtClean="0"/>
               <a:t>第三级</a:t>
             </a:r>
+            <a:endParaRPr lang="zh-CN" altLang="en-US" dirty="0" smtClean="0"/>
           </a:p>
           <a:p>
             <a:pPr lvl="3"/>
@@ -1657,6 +1677,7 @@
               <a:rPr lang="zh-CN" altLang="en-US" dirty="0" smtClean="0"/>
               <a:t>第四级</a:t>
             </a:r>
+            <a:endParaRPr lang="zh-CN" altLang="en-US" dirty="0" smtClean="0"/>
           </a:p>
         </p:txBody>
       </p:sp>
@@ -1714,6 +1735,7 @@
               <a:rPr lang="zh-CN" altLang="en-US" dirty="0" smtClean="0"/>
               <a:t>单击此处编辑母版文本样式</a:t>
             </a:r>
+            <a:endParaRPr lang="zh-CN" altLang="en-US" dirty="0" smtClean="0"/>
           </a:p>
         </p:txBody>
       </p:sp>
@@ -1795,6 +1817,7 @@
               <a:rPr lang="zh-CN" altLang="en-US" dirty="0" smtClean="0"/>
               <a:t>单击此处编辑母版文本样式</a:t>
             </a:r>
+            <a:endParaRPr lang="zh-CN" altLang="en-US" dirty="0" smtClean="0"/>
           </a:p>
           <a:p>
             <a:pPr lvl="1"/>
@@ -1802,6 +1825,7 @@
               <a:rPr lang="zh-CN" altLang="en-US" dirty="0" smtClean="0"/>
               <a:t>第二级</a:t>
             </a:r>
+            <a:endParaRPr lang="zh-CN" altLang="en-US" dirty="0" smtClean="0"/>
           </a:p>
           <a:p>
             <a:pPr lvl="2"/>
@@ -1809,6 +1833,7 @@
               <a:rPr lang="zh-CN" altLang="en-US" dirty="0" smtClean="0"/>
               <a:t>第三级</a:t>
             </a:r>
+            <a:endParaRPr lang="zh-CN" altLang="en-US" dirty="0" smtClean="0"/>
           </a:p>
           <a:p>
             <a:pPr lvl="3"/>
@@ -1816,6 +1841,7 @@
               <a:rPr lang="zh-CN" altLang="en-US" dirty="0" smtClean="0"/>
               <a:t>第四级</a:t>
             </a:r>
+            <a:endParaRPr lang="zh-CN" altLang="en-US" dirty="0" smtClean="0"/>
           </a:p>
         </p:txBody>
       </p:sp>
@@ -1873,6 +1899,7 @@
               <a:rPr lang="zh-CN" altLang="en-US" dirty="0" smtClean="0"/>
               <a:t>单击此处编辑母版文本样式</a:t>
             </a:r>
+            <a:endParaRPr lang="zh-CN" altLang="en-US" dirty="0" smtClean="0"/>
           </a:p>
         </p:txBody>
       </p:sp>
@@ -1954,6 +1981,7 @@
               <a:rPr lang="zh-CN" altLang="en-US" dirty="0" smtClean="0"/>
               <a:t>单击此处编辑母版文本样式</a:t>
             </a:r>
+            <a:endParaRPr lang="zh-CN" altLang="en-US" dirty="0" smtClean="0"/>
           </a:p>
           <a:p>
             <a:pPr lvl="1"/>
@@ -1961,6 +1989,7 @@
               <a:rPr lang="zh-CN" altLang="en-US" dirty="0" smtClean="0"/>
               <a:t>第二级</a:t>
             </a:r>
+            <a:endParaRPr lang="zh-CN" altLang="en-US" dirty="0" smtClean="0"/>
           </a:p>
           <a:p>
             <a:pPr lvl="2"/>
@@ -1968,6 +1997,7 @@
               <a:rPr lang="zh-CN" altLang="en-US" dirty="0" smtClean="0"/>
               <a:t>第三级</a:t>
             </a:r>
+            <a:endParaRPr lang="zh-CN" altLang="en-US" dirty="0" smtClean="0"/>
           </a:p>
           <a:p>
             <a:pPr lvl="3"/>
@@ -1975,6 +2005,7 @@
               <a:rPr lang="zh-CN" altLang="en-US" dirty="0" smtClean="0"/>
               <a:t>第四级</a:t>
             </a:r>
+            <a:endParaRPr lang="zh-CN" altLang="en-US" dirty="0" smtClean="0"/>
           </a:p>
         </p:txBody>
       </p:sp>
@@ -2032,6 +2063,7 @@
               <a:rPr lang="zh-CN" altLang="en-US" dirty="0" smtClean="0"/>
               <a:t>单击此处编辑母版文本样式</a:t>
             </a:r>
+            <a:endParaRPr lang="zh-CN" altLang="en-US" dirty="0" smtClean="0"/>
           </a:p>
         </p:txBody>
       </p:sp>
@@ -2113,6 +2145,7 @@
               <a:rPr lang="zh-CN" altLang="en-US" dirty="0" smtClean="0"/>
               <a:t>单击此处编辑母版文本样式</a:t>
             </a:r>
+            <a:endParaRPr lang="zh-CN" altLang="en-US" dirty="0" smtClean="0"/>
           </a:p>
           <a:p>
             <a:pPr lvl="1"/>
@@ -2120,6 +2153,7 @@
               <a:rPr lang="zh-CN" altLang="en-US" dirty="0" smtClean="0"/>
               <a:t>第二级</a:t>
             </a:r>
+            <a:endParaRPr lang="zh-CN" altLang="en-US" dirty="0" smtClean="0"/>
           </a:p>
           <a:p>
             <a:pPr lvl="2"/>
@@ -2127,6 +2161,7 @@
               <a:rPr lang="zh-CN" altLang="en-US" dirty="0" smtClean="0"/>
               <a:t>第三级</a:t>
             </a:r>
+            <a:endParaRPr lang="zh-CN" altLang="en-US" dirty="0" smtClean="0"/>
           </a:p>
           <a:p>
             <a:pPr lvl="3"/>
@@ -2134,6 +2169,7 @@
               <a:rPr lang="zh-CN" altLang="en-US" dirty="0" smtClean="0"/>
               <a:t>第四级</a:t>
             </a:r>
+            <a:endParaRPr lang="zh-CN" altLang="en-US" dirty="0" smtClean="0"/>
           </a:p>
         </p:txBody>
       </p:sp>
@@ -2191,6 +2227,7 @@
               <a:rPr lang="zh-CN" altLang="en-US" dirty="0" smtClean="0"/>
               <a:t>单击此处编辑母版文本样式</a:t>
             </a:r>
+            <a:endParaRPr lang="zh-CN" altLang="en-US" dirty="0" smtClean="0"/>
           </a:p>
         </p:txBody>
       </p:sp>
@@ -2272,6 +2309,7 @@
               <a:rPr lang="zh-CN" altLang="en-US" dirty="0" smtClean="0"/>
               <a:t>单击此处编辑母版文本样式</a:t>
             </a:r>
+            <a:endParaRPr lang="zh-CN" altLang="en-US" dirty="0" smtClean="0"/>
           </a:p>
           <a:p>
             <a:pPr lvl="1"/>
@@ -2279,6 +2317,7 @@
               <a:rPr lang="zh-CN" altLang="en-US" dirty="0" smtClean="0"/>
               <a:t>第二级</a:t>
             </a:r>
+            <a:endParaRPr lang="zh-CN" altLang="en-US" dirty="0" smtClean="0"/>
           </a:p>
           <a:p>
             <a:pPr lvl="2"/>
@@ -2286,6 +2325,7 @@
               <a:rPr lang="zh-CN" altLang="en-US" dirty="0" smtClean="0"/>
               <a:t>第三级</a:t>
             </a:r>
+            <a:endParaRPr lang="zh-CN" altLang="en-US" dirty="0" smtClean="0"/>
           </a:p>
           <a:p>
             <a:pPr lvl="3"/>
@@ -2293,6 +2333,7 @@
               <a:rPr lang="zh-CN" altLang="en-US" dirty="0" smtClean="0"/>
               <a:t>第四级</a:t>
             </a:r>
+            <a:endParaRPr lang="zh-CN" altLang="en-US" dirty="0" smtClean="0"/>
           </a:p>
         </p:txBody>
       </p:sp>
@@ -2350,6 +2391,7 @@
               <a:rPr lang="zh-CN" altLang="en-US" dirty="0" smtClean="0"/>
               <a:t>单击此处编辑母版文本样式</a:t>
             </a:r>
+            <a:endParaRPr lang="zh-CN" altLang="en-US" dirty="0" smtClean="0"/>
           </a:p>
         </p:txBody>
       </p:sp>
@@ -2431,6 +2473,7 @@
               <a:rPr lang="zh-CN" altLang="en-US" dirty="0" smtClean="0"/>
               <a:t>单击此处编辑母版文本样式</a:t>
             </a:r>
+            <a:endParaRPr lang="zh-CN" altLang="en-US" dirty="0" smtClean="0"/>
           </a:p>
           <a:p>
             <a:pPr lvl="1"/>
@@ -2438,6 +2481,7 @@
               <a:rPr lang="zh-CN" altLang="en-US" dirty="0" smtClean="0"/>
               <a:t>第二级</a:t>
             </a:r>
+            <a:endParaRPr lang="zh-CN" altLang="en-US" dirty="0" smtClean="0"/>
           </a:p>
           <a:p>
             <a:pPr lvl="2"/>
@@ -2445,6 +2489,7 @@
               <a:rPr lang="zh-CN" altLang="en-US" dirty="0" smtClean="0"/>
               <a:t>第三级</a:t>
             </a:r>
+            <a:endParaRPr lang="zh-CN" altLang="en-US" dirty="0" smtClean="0"/>
           </a:p>
           <a:p>
             <a:pPr lvl="3"/>
@@ -2452,6 +2497,7 @@
               <a:rPr lang="zh-CN" altLang="en-US" dirty="0" smtClean="0"/>
               <a:t>第四级</a:t>
             </a:r>
+            <a:endParaRPr lang="zh-CN" altLang="en-US" dirty="0" smtClean="0"/>
           </a:p>
         </p:txBody>
       </p:sp>
@@ -2509,6 +2555,7 @@
               <a:rPr lang="zh-CN" altLang="en-US" dirty="0" smtClean="0"/>
               <a:t>单击此处编辑母版文本样式</a:t>
             </a:r>
+            <a:endParaRPr lang="zh-CN" altLang="en-US" dirty="0" smtClean="0"/>
           </a:p>
         </p:txBody>
       </p:sp>
@@ -2602,6 +2649,7 @@
               <a:rPr lang="zh-CN" altLang="en-US" dirty="0" smtClean="0"/>
               <a:t>单击此处编辑母版文本样式</a:t>
             </a:r>
+            <a:endParaRPr lang="zh-CN" altLang="en-US" dirty="0" smtClean="0"/>
           </a:p>
           <a:p>
             <a:pPr lvl="1"/>
@@ -2609,6 +2657,7 @@
               <a:rPr lang="zh-CN" altLang="en-US" dirty="0" smtClean="0"/>
               <a:t>第二级</a:t>
             </a:r>
+            <a:endParaRPr lang="zh-CN" altLang="en-US" dirty="0" smtClean="0"/>
           </a:p>
           <a:p>
             <a:pPr lvl="2"/>
@@ -2616,6 +2665,7 @@
               <a:rPr lang="zh-CN" altLang="en-US" dirty="0" smtClean="0"/>
               <a:t>第三级</a:t>
             </a:r>
+            <a:endParaRPr lang="zh-CN" altLang="en-US" dirty="0" smtClean="0"/>
           </a:p>
           <a:p>
             <a:pPr lvl="3"/>
@@ -2623,6 +2673,7 @@
               <a:rPr lang="zh-CN" altLang="en-US" dirty="0" smtClean="0"/>
               <a:t>第四级</a:t>
             </a:r>
+            <a:endParaRPr lang="zh-CN" altLang="en-US" dirty="0" smtClean="0"/>
           </a:p>
         </p:txBody>
       </p:sp>
@@ -2684,6 +2735,7 @@
               <a:rPr lang="zh-CN" altLang="en-US" dirty="0" smtClean="0"/>
               <a:t>单击此处编辑母版文本样式</a:t>
             </a:r>
+            <a:endParaRPr lang="zh-CN" altLang="en-US" dirty="0" smtClean="0"/>
           </a:p>
         </p:txBody>
       </p:sp>
@@ -2708,7 +2760,7 @@
     <p:bg bwMode="auto">
       <p:bgPr>
         <a:blipFill dpi="0" rotWithShape="0">
-          <a:blip r:embed="rId11"/>
+          <a:blip r:embed="rId10"/>
           <a:srcRect/>
           <a:stretch>
             <a:fillRect/>
@@ -2767,7 +2819,6 @@
           <a:p>
             <a:fld id="{43A45880-9E2A-43E4-955C-AEB11E14255E}" type="slidenum">
               <a:rPr lang="en-US" altLang="zh-CN"/>
-              <a:t>‹#›</a:t>
             </a:fld>
             <a:endParaRPr lang="zh-CN" altLang="zh-CN"/>
           </a:p>
@@ -2782,7 +2833,7 @@
           <p:nvPr/>
         </p:nvPicPr>
         <p:blipFill>
-          <a:blip r:embed="rId12">
+          <a:blip r:embed="rId11">
             <a:extLst>
               <a:ext uri="{28A0092B-C50C-407E-A947-70E740481C1C}">
                 <a14:useLocalDpi xmlns:a14="http://schemas.microsoft.com/office/drawing/2010/main" val="0"/>
@@ -2836,7 +2887,7 @@
           <p:nvPr/>
         </p:nvPicPr>
         <p:blipFill>
-          <a:blip r:embed="rId13">
+          <a:blip r:embed="rId12">
             <a:extLst>
               <a:ext uri="{28A0092B-C50C-407E-A947-70E740481C1C}">
                 <a14:useLocalDpi xmlns:a14="http://schemas.microsoft.com/office/drawing/2010/main" val="0"/>
@@ -3349,7 +3400,7 @@
           <p:nvPr/>
         </p:nvPicPr>
         <p:blipFill>
-          <a:blip r:embed="rId2">
+          <a:blip r:embed="rId1">
             <a:extLst>
               <a:ext uri="{28A0092B-C50C-407E-A947-70E740481C1C}">
                 <a14:useLocalDpi xmlns:a14="http://schemas.microsoft.com/office/drawing/2010/main" val="0"/>
@@ -3657,7 +3708,7 @@
           <p:nvPr/>
         </p:nvPicPr>
         <p:blipFill>
-          <a:blip r:embed="rId3">
+          <a:blip r:embed="rId2">
             <a:extLst>
               <a:ext uri="{28A0092B-C50C-407E-A947-70E740481C1C}">
                 <a14:useLocalDpi xmlns:a14="http://schemas.microsoft.com/office/drawing/2010/main" val="0"/>
@@ -3840,7 +3891,7 @@
           <p:nvPr/>
         </p:nvPicPr>
         <p:blipFill>
-          <a:blip r:embed="rId3"/>
+          <a:blip r:embed="rId1"/>
           <a:stretch>
             <a:fillRect/>
           </a:stretch>
@@ -3864,7 +3915,7 @@
           <p:nvPr/>
         </p:nvPicPr>
         <p:blipFill>
-          <a:blip r:embed="rId4"/>
+          <a:blip r:embed="rId2"/>
           <a:stretch>
             <a:fillRect/>
           </a:stretch>
@@ -3961,6 +4012,7 @@
               <a:rPr lang="en-US" altLang="zh-CN" sz="2000"/>
               <a:t>4”</a:t>
             </a:r>
+            <a:endParaRPr lang="en-US" altLang="zh-CN" sz="2000"/>
           </a:p>
         </p:txBody>
       </p:sp>
@@ -4302,6 +4354,12 @@
               </a:rPr>
               <a:t>IIFE</a:t>
             </a:r>
+            <a:endParaRPr kumimoji="0" lang="en-US" altLang="zh-CN" sz="3200" dirty="0" smtClean="0">
+              <a:solidFill>
+                <a:schemeClr val="tx1"/>
+              </a:solidFill>
+              <a:sym typeface="+mn-ea"/>
+            </a:endParaRPr>
           </a:p>
           <a:p>
             <a:pPr marL="0" indent="0">
@@ -4362,7 +4420,7 @@
           <p:nvPr/>
         </p:nvPicPr>
         <p:blipFill>
-          <a:blip r:embed="rId3"/>
+          <a:blip r:embed="rId1"/>
           <a:stretch>
             <a:fillRect/>
           </a:stretch>
@@ -4386,7 +4444,7 @@
           <p:nvPr/>
         </p:nvPicPr>
         <p:blipFill>
-          <a:blip r:embed="rId4"/>
+          <a:blip r:embed="rId2"/>
           <a:stretch>
             <a:fillRect/>
           </a:stretch>
@@ -4491,6 +4549,7 @@
               <a:rPr lang="en-US" altLang="zh-CN" sz="2000"/>
               <a:t>4</a:t>
             </a:r>
+            <a:endParaRPr lang="en-US" altLang="zh-CN" sz="2000"/>
           </a:p>
         </p:txBody>
       </p:sp>
@@ -4988,6 +5047,12 @@
               </a:rPr>
               <a:t>IIFE</a:t>
             </a:r>
+            <a:endParaRPr kumimoji="0" lang="en-US" altLang="zh-CN" sz="3200" dirty="0" smtClean="0">
+              <a:solidFill>
+                <a:schemeClr val="tx1"/>
+              </a:solidFill>
+              <a:sym typeface="+mn-ea"/>
+            </a:endParaRPr>
           </a:p>
           <a:p>
             <a:pPr marL="0" indent="0">
@@ -5092,6 +5157,13 @@
               </a:rPr>
               <a:t>定时器案例</a:t>
             </a:r>
+            <a:endParaRPr lang="zh-CN" altLang="en-US" sz="2200">
+              <a:solidFill>
+                <a:srgbClr val="FF0000"/>
+              </a:solidFill>
+              <a:latin typeface="+mn-ea"/>
+              <a:ea typeface="+mn-ea"/>
+            </a:endParaRPr>
           </a:p>
         </p:txBody>
       </p:sp>
@@ -5104,7 +5176,7 @@
           <p:nvPr/>
         </p:nvPicPr>
         <p:blipFill>
-          <a:blip r:embed="rId3"/>
+          <a:blip r:embed="rId1"/>
           <a:stretch>
             <a:fillRect/>
           </a:stretch>
@@ -5128,7 +5200,7 @@
           <p:nvPr/>
         </p:nvPicPr>
         <p:blipFill>
-          <a:blip r:embed="rId4"/>
+          <a:blip r:embed="rId2"/>
           <a:stretch>
             <a:fillRect/>
           </a:stretch>
@@ -5651,6 +5723,11 @@
               </a:rPr>
               <a:t>以及其使用方式</a:t>
             </a:r>
+            <a:endParaRPr lang="zh-CN" altLang="en-US" sz="2800" b="1">
+              <a:solidFill>
+                <a:schemeClr val="tx1"/>
+              </a:solidFill>
+            </a:endParaRPr>
           </a:p>
           <a:p>
             <a:pPr algn="l">
@@ -5720,6 +5797,11 @@
               </a:rPr>
               <a:t>缺陷）</a:t>
             </a:r>
+            <a:endParaRPr lang="zh-CN" altLang="en-US" sz="2800" b="1">
+              <a:solidFill>
+                <a:schemeClr val="tx1"/>
+              </a:solidFill>
+            </a:endParaRPr>
           </a:p>
           <a:p>
             <a:pPr algn="l">
@@ -5762,6 +5844,11 @@
               </a:rPr>
               <a:t> </a:t>
             </a:r>
+            <a:endParaRPr lang="zh-CN" altLang="en-US" sz="2800" b="1">
+              <a:solidFill>
+                <a:schemeClr val="accent3"/>
+              </a:solidFill>
+            </a:endParaRPr>
           </a:p>
         </p:txBody>
       </p:sp>
@@ -6024,7 +6111,7 @@
           <p:nvPr/>
         </p:nvPicPr>
         <p:blipFill>
-          <a:blip r:embed="rId2">
+          <a:blip r:embed="rId1">
             <a:extLst>
               <a:ext uri="{28A0092B-C50C-407E-A947-70E740481C1C}">
                 <a14:useLocalDpi xmlns:a14="http://schemas.microsoft.com/office/drawing/2010/main" val="0"/>
@@ -6115,7 +6202,7 @@
             <a:pPr algn="ctr" eaLnBrk="1" hangingPunct="1"/>
             <a:r>
               <a:rPr kumimoji="0" lang="en-US" altLang="zh-CN" sz="5400" dirty="0"/>
-              <a:t>Have a </a:t>
+              <a:t>Thank </a:t>
             </a:r>
             <a:r>
               <a:rPr kumimoji="0" lang="en-US" altLang="zh-CN" sz="5400" dirty="0">
@@ -6123,7 +6210,7 @@
                   <a:srgbClr val="FF0000"/>
                 </a:solidFill>
               </a:rPr>
-              <a:t>Break</a:t>
+              <a:t>You</a:t>
             </a:r>
             <a:r>
               <a:rPr kumimoji="0" lang="zh-CN" altLang="en-US" sz="5400" dirty="0"/>
@@ -6142,7 +6229,7 @@
           <p:nvPr/>
         </p:nvPicPr>
         <p:blipFill>
-          <a:blip r:embed="rId3">
+          <a:blip r:embed="rId2">
             <a:extLst>
               <a:ext uri="{28A0092B-C50C-407E-A947-70E740481C1C}">
                 <a14:useLocalDpi xmlns:a14="http://schemas.microsoft.com/office/drawing/2010/main" val="0"/>
@@ -6405,6 +6492,11 @@
               </a:rPr>
               <a:t>以及其使用方式</a:t>
             </a:r>
+            <a:endParaRPr lang="zh-CN" altLang="en-US" sz="2800" b="1">
+              <a:solidFill>
+                <a:srgbClr val="FF0000"/>
+              </a:solidFill>
+            </a:endParaRPr>
           </a:p>
           <a:p>
             <a:pPr algn="l">
@@ -6462,6 +6554,7 @@
               <a:rPr lang="zh-CN" altLang="en-US" sz="2800" b="1"/>
               <a:t>缺陷）</a:t>
             </a:r>
+            <a:endParaRPr lang="zh-CN" altLang="en-US" sz="2800" b="1"/>
           </a:p>
           <a:p>
             <a:pPr algn="l">
@@ -6891,6 +6984,11 @@
               </a:rPr>
               <a:t>作用域缺陷所带来的问题，如：变量污染、变量共享等问题）</a:t>
             </a:r>
+            <a:endParaRPr kumimoji="0" lang="zh-CN" altLang="en-US" sz="3200" dirty="0" smtClean="0">
+              <a:solidFill>
+                <a:schemeClr val="tx1"/>
+              </a:solidFill>
+            </a:endParaRPr>
           </a:p>
           <a:p>
             <a:pPr>
@@ -6994,6 +7092,7 @@
               <a:rPr kumimoji="0" lang="zh-CN" altLang="en-US" dirty="0"/>
               <a:t>）</a:t>
             </a:r>
+            <a:endParaRPr kumimoji="0" lang="zh-CN" altLang="en-US" dirty="0"/>
           </a:p>
         </p:txBody>
       </p:sp>
@@ -7006,7 +7105,7 @@
           <p:nvPr/>
         </p:nvPicPr>
         <p:blipFill>
-          <a:blip r:embed="rId3"/>
+          <a:blip r:embed="rId1"/>
           <a:srcRect l="9330"/>
           <a:stretch>
             <a:fillRect/>
@@ -7031,7 +7130,7 @@
           <p:nvPr/>
         </p:nvPicPr>
         <p:blipFill>
-          <a:blip r:embed="rId4"/>
+          <a:blip r:embed="rId2"/>
           <a:srcRect l="6679"/>
           <a:stretch>
             <a:fillRect/>
@@ -7622,14 +7721,6 @@
               </a:rPr>
               <a:t>为传递的参数</a:t>
             </a:r>
-            <a:r>
-              <a:rPr kumimoji="0" lang="en-US" altLang="zh-CN" sz="2000" dirty="0" smtClean="0">
-                <a:solidFill>
-                  <a:schemeClr val="tx1"/>
-                </a:solidFill>
-              </a:rPr>
-              <a:t/>
-            </a:r>
             <a:br>
               <a:rPr kumimoji="0" lang="en-US" altLang="zh-CN" sz="2000" dirty="0" smtClean="0">
                 <a:solidFill>
@@ -7745,7 +7836,7 @@
                   <a:schemeClr val="accent3"/>
                 </a:solidFill>
               </a:rPr>
-              <a:t>先执行函数，再进行运算</a:t>
+              <a:t>执行函数、进行运算</a:t>
             </a:r>
             <a:r>
               <a:rPr kumimoji="0" lang="zh-CN" sz="3200" dirty="0" smtClean="0">
@@ -7835,14 +7926,6 @@
               </a:rPr>
               <a:t>10</a:t>
             </a:r>
-            <a:r>
-              <a:rPr kumimoji="0" lang="en-US" altLang="zh-CN" sz="2000" dirty="0" smtClean="0">
-                <a:solidFill>
-                  <a:schemeClr val="tx1"/>
-                </a:solidFill>
-              </a:rPr>
-              <a:t/>
-            </a:r>
             <a:br>
               <a:rPr kumimoji="0" lang="en-US" altLang="zh-CN" sz="2000" dirty="0" smtClean="0">
                 <a:solidFill>
@@ -8010,14 +8093,6 @@
                 <a:sym typeface="+mn-ea"/>
               </a:rPr>
               <a:t>为传递参数 位运算非操作符</a:t>
-            </a:r>
-            <a:r>
-              <a:rPr kumimoji="0" lang="en-US" altLang="zh-CN" sz="2000" dirty="0" smtClean="0">
-                <a:solidFill>
-                  <a:schemeClr val="tx1"/>
-                </a:solidFill>
-              </a:rPr>
-              <a:t/>
             </a:r>
             <a:br>
               <a:rPr kumimoji="0" lang="en-US" altLang="zh-CN" sz="2000" dirty="0" smtClean="0">
@@ -8200,6 +8275,7 @@
               <a:rPr kumimoji="0" lang="zh-CN" altLang="en-US" dirty="0"/>
               <a:t>的写法</a:t>
             </a:r>
+            <a:endParaRPr kumimoji="0" lang="zh-CN" altLang="en-US" dirty="0"/>
           </a:p>
         </p:txBody>
       </p:sp>
@@ -8212,7 +8288,7 @@
           <p:nvPr/>
         </p:nvPicPr>
         <p:blipFill>
-          <a:blip r:embed="rId3"/>
+          <a:blip r:embed="rId1"/>
           <a:stretch>
             <a:fillRect/>
           </a:stretch>
@@ -8236,7 +8312,7 @@
           <p:nvPr/>
         </p:nvPicPr>
         <p:blipFill>
-          <a:blip r:embed="rId4"/>
+          <a:blip r:embed="rId2"/>
           <a:stretch>
             <a:fillRect/>
           </a:stretch>
@@ -8314,6 +8390,13 @@
               </a:rPr>
               <a:t>IIFE</a:t>
             </a:r>
+            <a:endParaRPr lang="en-US" altLang="zh-CN" sz="2200">
+              <a:solidFill>
+                <a:srgbClr val="FF0000"/>
+              </a:solidFill>
+              <a:latin typeface="+mn-ea"/>
+              <a:ea typeface="+mn-ea"/>
+            </a:endParaRPr>
           </a:p>
         </p:txBody>
       </p:sp>
@@ -9013,6 +9096,11 @@
               </a:rPr>
               <a:t>以及其使用方式</a:t>
             </a:r>
+            <a:endParaRPr lang="zh-CN" altLang="en-US" sz="2800" b="1">
+              <a:solidFill>
+                <a:schemeClr val="tx1"/>
+              </a:solidFill>
+            </a:endParaRPr>
           </a:p>
           <a:p>
             <a:pPr algn="l">
@@ -9082,6 +9170,11 @@
               </a:rPr>
               <a:t>缺陷）</a:t>
             </a:r>
+            <a:endParaRPr lang="zh-CN" altLang="en-US" sz="2800" b="1">
+              <a:solidFill>
+                <a:schemeClr val="accent3"/>
+              </a:solidFill>
+            </a:endParaRPr>
           </a:p>
           <a:p>
             <a:pPr algn="l">
@@ -9439,14 +9532,6 @@
               </a:rPr>
               <a:t>作用域的改变（限制变量生命周期）</a:t>
             </a:r>
-            <a:r>
-              <a:rPr kumimoji="0" lang="zh-CN" altLang="en-US" sz="2000" dirty="0" smtClean="0">
-                <a:solidFill>
-                  <a:schemeClr val="tx1"/>
-                </a:solidFill>
-              </a:rPr>
-              <a:t/>
-            </a:r>
             <a:br>
               <a:rPr kumimoji="0" lang="zh-CN" altLang="en-US" sz="2000" dirty="0" smtClean="0">
                 <a:solidFill>
@@ -9604,6 +9689,12 @@
               </a:rPr>
               <a:t>，来避免变量污染</a:t>
             </a:r>
+            <a:endParaRPr kumimoji="0" lang="zh-CN" altLang="en-US" sz="2000" dirty="0" smtClean="0">
+              <a:solidFill>
+                <a:schemeClr val="tx1"/>
+              </a:solidFill>
+              <a:sym typeface="+mn-ea"/>
+            </a:endParaRPr>
           </a:p>
           <a:p>
             <a:pPr>
@@ -9683,6 +9774,7 @@
               <a:rPr kumimoji="0" lang="zh-CN" altLang="en-US" dirty="0"/>
               <a:t>缺陷</a:t>
             </a:r>
+            <a:endParaRPr kumimoji="0" lang="zh-CN" altLang="en-US" dirty="0"/>
           </a:p>
         </p:txBody>
       </p:sp>
@@ -9748,7 +9840,7 @@
               </a:rPr>
               <a:t>前半部分</a:t>
             </a:r>
-            <a:r>
+            <a:br>
               <a:rPr lang="en-US" altLang="zh-CN" sz="2200">
                 <a:solidFill>
                   <a:srgbClr val="FF0000"/>
@@ -9756,8 +9848,7 @@
                 <a:latin typeface="+mn-ea"/>
                 <a:ea typeface="+mn-ea"/>
               </a:rPr>
-              <a:t/>
-            </a:r>
+            </a:br>
             <a:br>
               <a:rPr lang="en-US" altLang="zh-CN" sz="2200">
                 <a:solidFill>
@@ -9775,37 +9866,25 @@
                 <a:latin typeface="+mn-ea"/>
                 <a:ea typeface="+mn-ea"/>
               </a:rPr>
-              <a:t/>
-            </a:r>
-            <a:br>
-              <a:rPr lang="en-US" altLang="zh-CN" sz="2200">
+              <a:t>同</a:t>
+            </a:r>
+            <a:r>
+              <a:rPr lang="zh-CN" altLang="en-US" sz="2200">
                 <a:solidFill>
                   <a:srgbClr val="FF0000"/>
                 </a:solidFill>
                 <a:latin typeface="+mn-ea"/>
                 <a:ea typeface="+mn-ea"/>
               </a:rPr>
-            </a:br>
-            <a:r>
-              <a:rPr lang="en-US" altLang="zh-CN" sz="2200">
-                <a:solidFill>
-                  <a:srgbClr val="FF0000"/>
-                </a:solidFill>
-                <a:latin typeface="+mn-ea"/>
-                <a:ea typeface="+mn-ea"/>
-              </a:rPr>
-              <a:t>同</a:t>
-            </a:r>
-            <a:r>
-              <a:rPr lang="zh-CN" altLang="en-US" sz="2200">
-                <a:solidFill>
-                  <a:srgbClr val="FF0000"/>
-                </a:solidFill>
-                <a:latin typeface="+mn-ea"/>
-                <a:ea typeface="+mn-ea"/>
-              </a:rPr>
               <a:t>一文件内的变量污染</a:t>
             </a:r>
+            <a:endParaRPr lang="zh-CN" altLang="en-US" sz="2200">
+              <a:solidFill>
+                <a:srgbClr val="FF0000"/>
+              </a:solidFill>
+              <a:latin typeface="+mn-ea"/>
+              <a:ea typeface="+mn-ea"/>
+            </a:endParaRPr>
           </a:p>
         </p:txBody>
       </p:sp>
@@ -9818,7 +9897,7 @@
           <p:nvPr/>
         </p:nvPicPr>
         <p:blipFill>
-          <a:blip r:embed="rId3"/>
+          <a:blip r:embed="rId1"/>
           <a:stretch>
             <a:fillRect/>
           </a:stretch>
@@ -10244,14 +10323,6 @@
               </a:rPr>
               <a:t>作用域的改变（限制变量生命周期）</a:t>
             </a:r>
-            <a:r>
-              <a:rPr kumimoji="0" lang="zh-CN" altLang="en-US" sz="2000" dirty="0" smtClean="0">
-                <a:solidFill>
-                  <a:schemeClr val="tx1"/>
-                </a:solidFill>
-              </a:rPr>
-              <a:t/>
-            </a:r>
             <a:br>
               <a:rPr kumimoji="0" lang="zh-CN" altLang="en-US" sz="2000" dirty="0" smtClean="0">
                 <a:solidFill>
@@ -10466,6 +10537,7 @@
               <a:rPr kumimoji="0" lang="zh-CN" altLang="en-US" dirty="0"/>
               <a:t>缺陷</a:t>
             </a:r>
+            <a:endParaRPr kumimoji="0" lang="zh-CN" altLang="en-US" dirty="0"/>
           </a:p>
         </p:txBody>
       </p:sp>
@@ -10522,6 +10594,13 @@
               </a:rPr>
               <a:t>中的代码</a:t>
             </a:r>
+            <a:endParaRPr lang="zh-CN" altLang="en-US" sz="2200">
+              <a:solidFill>
+                <a:schemeClr val="tx1"/>
+              </a:solidFill>
+              <a:latin typeface="+mn-ea"/>
+              <a:ea typeface="+mn-ea"/>
+            </a:endParaRPr>
           </a:p>
         </p:txBody>
       </p:sp>
@@ -10534,7 +10613,7 @@
           <p:nvPr/>
         </p:nvPicPr>
         <p:blipFill>
-          <a:blip r:embed="rId3"/>
+          <a:blip r:embed="rId1"/>
           <a:stretch>
             <a:fillRect/>
           </a:stretch>
@@ -10641,6 +10720,13 @@
               </a:rPr>
               <a:t>index07_1_2.html</a:t>
             </a:r>
+            <a:endParaRPr lang="en-US" altLang="zh-CN" sz="2200">
+              <a:solidFill>
+                <a:srgbClr val="FF0000"/>
+              </a:solidFill>
+              <a:latin typeface="+mn-ea"/>
+              <a:ea typeface="+mn-ea"/>
+            </a:endParaRPr>
           </a:p>
           <a:p>
             <a:pPr algn="l"/>
@@ -10654,6 +10740,13 @@
               </a:rPr>
               <a:t>不同文件之间的变量污染</a:t>
             </a:r>
+            <a:endParaRPr lang="zh-CN" altLang="en-US" sz="2200">
+              <a:solidFill>
+                <a:srgbClr val="FF0000"/>
+              </a:solidFill>
+              <a:latin typeface="+mn-ea"/>
+              <a:ea typeface="+mn-ea"/>
+            </a:endParaRPr>
           </a:p>
         </p:txBody>
       </p:sp>
@@ -10740,6 +10833,13 @@
               </a:rPr>
               <a:t>x</a:t>
             </a:r>
+            <a:endParaRPr lang="en-US" altLang="zh-CN" sz="2200">
+              <a:solidFill>
+                <a:schemeClr val="tx1"/>
+              </a:solidFill>
+              <a:latin typeface="+mn-ea"/>
+              <a:ea typeface="+mn-ea"/>
+            </a:endParaRPr>
           </a:p>
         </p:txBody>
       </p:sp>
@@ -10752,7 +10852,7 @@
           <p:nvPr/>
         </p:nvPicPr>
         <p:blipFill>
-          <a:blip r:embed="rId4"/>
+          <a:blip r:embed="rId2"/>
           <a:stretch>
             <a:fillRect/>
           </a:stretch>
@@ -10800,6 +10900,13 @@
               </a:rPr>
               <a:t>通过立即执行表达式来避免变量污染</a:t>
             </a:r>
+            <a:endParaRPr lang="zh-CN" sz="2200">
+              <a:solidFill>
+                <a:schemeClr val="tx1"/>
+              </a:solidFill>
+              <a:latin typeface="+mn-ea"/>
+              <a:ea typeface="+mn-ea"/>
+            </a:endParaRPr>
           </a:p>
           <a:p>
             <a:pPr algn="l"/>
@@ -10823,6 +10930,13 @@
               </a:rPr>
               <a:t>如果不用立即执行表达式，而是直接写函数，然后再调用，是否可以实现同等效果</a:t>
             </a:r>
+            <a:endParaRPr lang="zh-CN" sz="2200">
+              <a:solidFill>
+                <a:schemeClr val="tx1"/>
+              </a:solidFill>
+              <a:latin typeface="+mn-ea"/>
+              <a:ea typeface="+mn-ea"/>
+            </a:endParaRPr>
           </a:p>
         </p:txBody>
       </p:sp>
@@ -11482,14 +11596,6 @@
               </a:rPr>
               <a:t>）</a:t>
             </a:r>
-            <a:r>
-              <a:rPr kumimoji="0" lang="zh-CN" altLang="en-US" sz="2000" dirty="0" smtClean="0">
-                <a:solidFill>
-                  <a:schemeClr val="tx1"/>
-                </a:solidFill>
-              </a:rPr>
-              <a:t/>
-            </a:r>
             <a:br>
               <a:rPr kumimoji="0" lang="zh-CN" altLang="en-US" sz="2000" dirty="0" smtClean="0">
                 <a:solidFill>
@@ -11647,7 +11753,7 @@
           <p:nvPr/>
         </p:nvPicPr>
         <p:blipFill>
-          <a:blip r:embed="rId3"/>
+          <a:blip r:embed="rId1"/>
           <a:srcRect/>
           <a:stretch>
             <a:fillRect/>
@@ -11702,7 +11808,7 @@
           <p:nvPr/>
         </p:nvPicPr>
         <p:blipFill>
-          <a:blip r:embed="rId4"/>
+          <a:blip r:embed="rId2"/>
           <a:srcRect/>
           <a:stretch>
             <a:fillRect/>
@@ -11727,7 +11833,7 @@
           <p:nvPr/>
         </p:nvPicPr>
         <p:blipFill>
-          <a:blip r:embed="rId5"/>
+          <a:blip r:embed="rId3"/>
           <a:srcRect/>
           <a:stretch>
             <a:fillRect/>
@@ -11834,6 +11940,13 @@
               </a:rPr>
               <a:t>变量共享及解决</a:t>
             </a:r>
+            <a:endParaRPr lang="zh-CN" altLang="en-US" sz="2200">
+              <a:solidFill>
+                <a:srgbClr val="FF0000"/>
+              </a:solidFill>
+              <a:latin typeface="+mn-ea"/>
+              <a:ea typeface="+mn-ea"/>
+            </a:endParaRPr>
           </a:p>
           <a:p>
             <a:pPr algn="l"/>
@@ -11926,6 +12039,13 @@
               </a:rPr>
               <a:t>中的闭包中的变量，看是否存在共享问题</a:t>
             </a:r>
+            <a:endParaRPr lang="zh-CN" altLang="en-US" sz="2200">
+              <a:solidFill>
+                <a:srgbClr val="FF0000"/>
+              </a:solidFill>
+              <a:latin typeface="+mn-ea"/>
+              <a:ea typeface="+mn-ea"/>
+            </a:endParaRPr>
           </a:p>
         </p:txBody>
       </p:sp>
@@ -12622,6 +12742,11 @@
               </a:rPr>
               <a:t>以及其使用方式</a:t>
             </a:r>
+            <a:endParaRPr lang="zh-CN" altLang="en-US" sz="2800" b="1">
+              <a:solidFill>
+                <a:schemeClr val="tx1"/>
+              </a:solidFill>
+            </a:endParaRPr>
           </a:p>
           <a:p>
             <a:pPr algn="l">
@@ -12691,6 +12816,11 @@
               </a:rPr>
               <a:t>缺陷）</a:t>
             </a:r>
+            <a:endParaRPr lang="zh-CN" altLang="en-US" sz="2800" b="1">
+              <a:solidFill>
+                <a:schemeClr val="tx1"/>
+              </a:solidFill>
+            </a:endParaRPr>
           </a:p>
           <a:p>
             <a:pPr algn="l">
@@ -12725,6 +12855,11 @@
               </a:rPr>
               <a:t>实际应用案例 </a:t>
             </a:r>
+            <a:endParaRPr lang="zh-CN" altLang="en-US" sz="2800" b="1">
+              <a:solidFill>
+                <a:schemeClr val="accent3"/>
+              </a:solidFill>
+            </a:endParaRPr>
           </a:p>
         </p:txBody>
       </p:sp>
@@ -13295,10 +13430,9 @@
       </a:lstStyle>
     </a:lnDef>
   </a:objectDefaults>
-  <a:extraClrSchemeLst/>
   <a:extLst>
     <a:ext uri="{05A4C25C-085E-4340-85A3-A5531E510DB2}">
-      <thm15:themeFamily xmlns="" xmlns:thm15="http://schemas.microsoft.com/office/thememl/2012/main" name="Office Theme" id="{62F939B6-93AF-4DB8-9C6B-D6C7DFDC589F}" vid="{4A3C46E8-61CC-4603-A589-7422A47A8E4A}"/>
+      <thm15:themeFamily xmlns:thm15="http://schemas.microsoft.com/office/thememl/2012/main" name="Office Theme" id="{62F939B6-93AF-4DB8-9C6B-D6C7DFDC589F}" vid="{4A3C46E8-61CC-4603-A589-7422A47A8E4A}"/>
     </a:ext>
   </a:extLst>
 </a:theme>
@@ -13582,11 +13716,9 @@
       </a:bgFillStyleLst>
     </a:fmtScheme>
   </a:themeElements>
-  <a:objectDefaults/>
-  <a:extraClrSchemeLst/>
   <a:extLst>
     <a:ext uri="{05A4C25C-085E-4340-85A3-A5531E510DB2}">
-      <thm15:themeFamily xmlns="" xmlns:thm15="http://schemas.microsoft.com/office/thememl/2012/main" name="Office Theme" id="{62F939B6-93AF-4DB8-9C6B-D6C7DFDC589F}" vid="{4A3C46E8-61CC-4603-A589-7422A47A8E4A}"/>
+      <thm15:themeFamily xmlns:thm15="http://schemas.microsoft.com/office/thememl/2012/main" name="Office Theme" id="{62F939B6-93AF-4DB8-9C6B-D6C7DFDC589F}" vid="{4A3C46E8-61CC-4603-A589-7422A47A8E4A}"/>
     </a:ext>
   </a:extLst>
 </a:theme>

--- a/课程PPT/11.JS中的立即执行表达式IIFE.pptx
+++ b/课程PPT/11.JS中的立即执行表达式IIFE.pptx
@@ -22,6 +22,7 @@
     <p:sldId id="1428" r:id="rId15"/>
     <p:sldId id="1402" r:id="rId16"/>
     <p:sldId id="1431" r:id="rId17"/>
+    <p:sldId id="1432" r:id="rId18"/>
   </p:sldIdLst>
   <p:sldSz cx="12192000" cy="6858000"/>
   <p:notesSz cx="6797675" cy="9928225"/>
@@ -1295,6 +1296,62 @@
 </file>
 
 <file path=ppt/notesSlides/notesSlide8.xml><?xml version="1.0" encoding="utf-8"?>
+<p:notes xmlns:a="http://schemas.openxmlformats.org/drawingml/2006/main" xmlns:r="http://schemas.openxmlformats.org/officeDocument/2006/relationships" xmlns:p="http://schemas.openxmlformats.org/presentationml/2006/main">
+  <p:cSld>
+    <p:spTree>
+      <p:nvGrpSpPr>
+        <p:cNvPr id="1" name=""/>
+        <p:cNvGrpSpPr/>
+        <p:nvPr/>
+      </p:nvGrpSpPr>
+      <p:grpSpPr>
+        <a:xfrm>
+          <a:off x="0" y="0"/>
+          <a:ext cx="0" cy="0"/>
+          <a:chOff x="0" y="0"/>
+          <a:chExt cx="0" cy="0"/>
+        </a:xfrm>
+      </p:grpSpPr>
+      <p:sp>
+        <p:nvSpPr>
+          <p:cNvPr id="2" name="幻灯片图像占位符 1"/>
+          <p:cNvSpPr>
+            <a:spLocks noGrp="1" noRot="1" noChangeAspect="1"/>
+          </p:cNvSpPr>
+          <p:nvPr>
+            <p:ph type="sldImg" idx="2"/>
+          </p:nvPr>
+        </p:nvSpPr>
+        <p:spPr/>
+      </p:sp>
+      <p:sp>
+        <p:nvSpPr>
+          <p:cNvPr id="3" name="文本占位符 2"/>
+          <p:cNvSpPr>
+            <a:spLocks noGrp="1"/>
+          </p:cNvSpPr>
+          <p:nvPr>
+            <p:ph type="body" idx="3"/>
+          </p:nvPr>
+        </p:nvSpPr>
+        <p:spPr/>
+        <p:txBody>
+          <a:bodyPr/>
+          <a:lstStyle/>
+          <a:p>
+            <a:endParaRPr lang="zh-CN" altLang="en-US" dirty="0"/>
+          </a:p>
+        </p:txBody>
+      </p:sp>
+    </p:spTree>
+  </p:cSld>
+  <p:clrMapOvr>
+    <a:masterClrMapping/>
+  </p:clrMapOvr>
+</p:notes>
+</file>
+
+<file path=ppt/notesSlides/notesSlide9.xml><?xml version="1.0" encoding="utf-8"?>
 <p:notes xmlns:a="http://schemas.openxmlformats.org/drawingml/2006/main" xmlns:r="http://schemas.openxmlformats.org/officeDocument/2006/relationships" xmlns:p="http://schemas.openxmlformats.org/presentationml/2006/main">
   <p:cSld>
     <p:spTree>
@@ -6274,6 +6331,190 @@
           </a:extLst>
         </p:spPr>
       </p:pic>
+    </p:spTree>
+  </p:cSld>
+  <p:clrMapOvr>
+    <a:masterClrMapping/>
+  </p:clrMapOvr>
+  <p:timing>
+    <p:tnLst>
+      <p:par>
+        <p:cTn id="1" dur="indefinite" restart="never" nodeType="tmRoot"/>
+      </p:par>
+    </p:tnLst>
+  </p:timing>
+</p:sld>
+</file>
+
+<file path=ppt/slides/slide15.xml><?xml version="1.0" encoding="utf-8"?>
+<p:sld xmlns:a="http://schemas.openxmlformats.org/drawingml/2006/main" xmlns:r="http://schemas.openxmlformats.org/officeDocument/2006/relationships" xmlns:p="http://schemas.openxmlformats.org/presentationml/2006/main">
+  <p:cSld>
+    <p:spTree>
+      <p:nvGrpSpPr>
+        <p:cNvPr id="1" name=""/>
+        <p:cNvGrpSpPr/>
+        <p:nvPr/>
+      </p:nvGrpSpPr>
+      <p:grpSpPr>
+        <a:xfrm>
+          <a:off x="0" y="0"/>
+          <a:ext cx="0" cy="0"/>
+          <a:chOff x="0" y="0"/>
+          <a:chExt cx="0" cy="0"/>
+        </a:xfrm>
+      </p:grpSpPr>
+      <p:sp>
+        <p:nvSpPr>
+          <p:cNvPr id="2" name="内容占位符 1"/>
+          <p:cNvSpPr>
+            <a:spLocks noGrp="1"/>
+          </p:cNvSpPr>
+          <p:nvPr>
+            <p:ph sz="quarter" idx="10"/>
+          </p:nvPr>
+        </p:nvSpPr>
+        <p:spPr>
+          <a:xfrm>
+            <a:off x="981710" y="840105"/>
+            <a:ext cx="9776460" cy="5196205"/>
+          </a:xfrm>
+        </p:spPr>
+        <p:txBody>
+          <a:bodyPr/>
+          <a:lstStyle/>
+          <a:p>
+            <a:pPr>
+              <a:lnSpc>
+                <a:spcPct val="130000"/>
+              </a:lnSpc>
+            </a:pPr>
+            <a:r>
+              <a:rPr lang="en-US" altLang="zh-CN" sz="3200" dirty="0">
+                <a:solidFill>
+                  <a:schemeClr val="tx1"/>
+                </a:solidFill>
+                <a:sym typeface="+mn-ea"/>
+              </a:rPr>
+              <a:t>codefordream</a:t>
+            </a:r>
+            <a:r>
+              <a:rPr lang="zh-CN" altLang="en-US" sz="3200" dirty="0">
+                <a:solidFill>
+                  <a:schemeClr val="tx1"/>
+                </a:solidFill>
+                <a:sym typeface="+mn-ea"/>
+              </a:rPr>
+              <a:t>网站上</a:t>
+            </a:r>
+            <a:r>
+              <a:rPr lang="en-US" altLang="zh-CN" sz="3200" dirty="0">
+                <a:solidFill>
+                  <a:srgbClr val="FF0000"/>
+                </a:solidFill>
+                <a:sym typeface="+mn-ea"/>
+              </a:rPr>
+              <a:t>JavaScript</a:t>
+            </a:r>
+            <a:r>
+              <a:rPr lang="zh-CN" altLang="en-US" sz="3200" dirty="0">
+                <a:solidFill>
+                  <a:srgbClr val="FF0000"/>
+                </a:solidFill>
+                <a:sym typeface="+mn-ea"/>
+              </a:rPr>
+              <a:t>基础</a:t>
+            </a:r>
+            <a:endParaRPr lang="zh-CN" altLang="en-US" sz="3200" dirty="0">
+              <a:solidFill>
+                <a:srgbClr val="FF0000"/>
+              </a:solidFill>
+              <a:sym typeface="+mn-ea"/>
+            </a:endParaRPr>
+          </a:p>
+          <a:p>
+            <a:pPr>
+              <a:lnSpc>
+                <a:spcPct val="130000"/>
+              </a:lnSpc>
+            </a:pPr>
+            <a:r>
+              <a:rPr lang="zh-CN" altLang="en-US" sz="3200" dirty="0">
+                <a:solidFill>
+                  <a:schemeClr val="tx1"/>
+                </a:solidFill>
+                <a:sym typeface="+mn-ea"/>
+              </a:rPr>
+              <a:t>雪梨上完成任务（要求有截图，体现完成的项目，用户名，完成的程度）</a:t>
+            </a:r>
+            <a:endParaRPr lang="zh-CN" altLang="en-US" sz="3200" dirty="0">
+              <a:solidFill>
+                <a:schemeClr val="tx1"/>
+              </a:solidFill>
+              <a:sym typeface="+mn-ea"/>
+            </a:endParaRPr>
+          </a:p>
+          <a:p>
+            <a:pPr>
+              <a:lnSpc>
+                <a:spcPct val="130000"/>
+              </a:lnSpc>
+            </a:pPr>
+            <a:r>
+              <a:rPr lang="zh-CN" altLang="en-US" sz="3200" dirty="0">
+                <a:solidFill>
+                  <a:schemeClr val="tx1"/>
+                </a:solidFill>
+                <a:sym typeface="+mn-ea"/>
+              </a:rPr>
+              <a:t>复习本章内容及练习</a:t>
+            </a:r>
+            <a:endParaRPr lang="zh-CN" altLang="en-US" sz="3200" dirty="0">
+              <a:solidFill>
+                <a:schemeClr val="tx1"/>
+              </a:solidFill>
+              <a:sym typeface="+mn-ea"/>
+            </a:endParaRPr>
+          </a:p>
+          <a:p>
+            <a:pPr>
+              <a:lnSpc>
+                <a:spcPct val="160000"/>
+              </a:lnSpc>
+            </a:pPr>
+            <a:endParaRPr kumimoji="0" lang="zh-CN" altLang="en-US" sz="3200" dirty="0" smtClean="0">
+              <a:solidFill>
+                <a:schemeClr val="tx1"/>
+              </a:solidFill>
+            </a:endParaRPr>
+          </a:p>
+          <a:p>
+            <a:endParaRPr lang="zh-CN" altLang="en-US" dirty="0"/>
+          </a:p>
+        </p:txBody>
+      </p:sp>
+      <p:sp>
+        <p:nvSpPr>
+          <p:cNvPr id="3" name="内容占位符 2"/>
+          <p:cNvSpPr>
+            <a:spLocks noGrp="1"/>
+          </p:cNvSpPr>
+          <p:nvPr>
+            <p:ph sz="quarter" idx="11"/>
+          </p:nvPr>
+        </p:nvSpPr>
+        <p:spPr/>
+        <p:txBody>
+          <a:bodyPr/>
+          <a:lstStyle/>
+          <a:p>
+            <a:r>
+              <a:rPr lang="zh-CN" altLang="en-US" dirty="0"/>
+              <a:t>作业</a:t>
+            </a:r>
+            <a:endParaRPr lang="zh-CN" altLang="en-US" dirty="0"/>
+          </a:p>
+        </p:txBody>
+      </p:sp>
     </p:spTree>
   </p:cSld>
   <p:clrMapOvr>
@@ -10875,7 +11116,7 @@
         </p:nvSpPr>
         <p:spPr>
           <a:xfrm>
-            <a:off x="7811135" y="2537460"/>
+            <a:off x="7811135" y="2465705"/>
             <a:ext cx="3903980" cy="1783715"/>
           </a:xfrm>
           <a:prstGeom prst="rect">
@@ -11746,7 +11987,7 @@
       </p:sp>
       <p:pic>
         <p:nvPicPr>
-          <p:cNvPr id="6" name="图片 5" descr="C:\Users\qile\Desktop\图片1.png图片1"/>
+          <p:cNvPr id="6" name="图片 5" descr="C:\Users\qile\Desktop\总结\图片1.png图片1"/>
           <p:cNvPicPr>
             <a:picLocks noChangeAspect="1"/>
           </p:cNvPicPr>
@@ -11761,8 +12002,8 @@
         </p:blipFill>
         <p:spPr>
           <a:xfrm>
-            <a:off x="1340168" y="2414588"/>
-            <a:ext cx="5530850" cy="3486785"/>
+            <a:off x="1340485" y="2414588"/>
+            <a:ext cx="5530215" cy="3486785"/>
           </a:xfrm>
           <a:prstGeom prst="rect">
             <a:avLst/>
@@ -11801,7 +12042,7 @@
       </p:sp>
       <p:pic>
         <p:nvPicPr>
-          <p:cNvPr id="3" name="图片 2" descr="C:\Users\qile\Desktop\捕获.PNG捕获"/>
+          <p:cNvPr id="3" name="图片 2" descr="C:\Users\qile\Desktop\总结\图片2.png图片2"/>
           <p:cNvPicPr>
             <a:picLocks noChangeAspect="1"/>
           </p:cNvPicPr>
@@ -11816,8 +12057,8 @@
         </p:blipFill>
         <p:spPr>
           <a:xfrm>
-            <a:off x="1341120" y="2412048"/>
-            <a:ext cx="5506085" cy="3952240"/>
+            <a:off x="1341120" y="2412366"/>
+            <a:ext cx="5506085" cy="3951605"/>
           </a:xfrm>
           <a:prstGeom prst="rect">
             <a:avLst/>

--- a/课程PPT/11.JS中的立即执行表达式IIFE.pptx
+++ b/课程PPT/11.JS中的立即执行表达式IIFE.pptx
@@ -23,6 +23,7 @@
     <p:sldId id="1402" r:id="rId16"/>
     <p:sldId id="1431" r:id="rId17"/>
     <p:sldId id="1432" r:id="rId18"/>
+    <p:sldId id="1433" r:id="rId19"/>
   </p:sldIdLst>
   <p:sldSz cx="12192000" cy="6858000"/>
   <p:notesSz cx="6797675" cy="9928225"/>
@@ -663,6 +664,84 @@
               <a:rPr lang="zh-CN" altLang="en-US" dirty="0"/>
               <a:t>函数作用域为范围，对变量或函数进行声明提前</a:t>
             </a:r>
+            <a:endParaRPr lang="zh-CN" altLang="en-US" dirty="0"/>
+          </a:p>
+        </p:txBody>
+      </p:sp>
+      <p:sp>
+        <p:nvSpPr>
+          <p:cNvPr id="4" name="灯片编号占位符 3"/>
+          <p:cNvSpPr>
+            <a:spLocks noGrp="1"/>
+          </p:cNvSpPr>
+          <p:nvPr>
+            <p:ph type="sldNum" sz="quarter" idx="10"/>
+          </p:nvPr>
+        </p:nvSpPr>
+        <p:spPr/>
+        <p:txBody>
+          <a:bodyPr/>
+          <a:lstStyle/>
+          <a:p>
+            <a:fld id="{D9AFD278-84AA-4CAA-9049-809825956FE0}" type="slidenum">
+              <a:rPr lang="en-US" altLang="zh-CN" smtClean="0"/>
+            </a:fld>
+            <a:endParaRPr lang="zh-CN" altLang="zh-CN"/>
+          </a:p>
+        </p:txBody>
+      </p:sp>
+    </p:spTree>
+  </p:cSld>
+  <p:clrMapOvr>
+    <a:masterClrMapping/>
+  </p:clrMapOvr>
+</p:notes>
+</file>
+
+<file path=ppt/notesSlides/notesSlide10.xml><?xml version="1.0" encoding="utf-8"?>
+<p:notes xmlns:a="http://schemas.openxmlformats.org/drawingml/2006/main" xmlns:r="http://schemas.openxmlformats.org/officeDocument/2006/relationships" xmlns:p="http://schemas.openxmlformats.org/presentationml/2006/main">
+  <p:cSld>
+    <p:spTree>
+      <p:nvGrpSpPr>
+        <p:cNvPr id="1" name=""/>
+        <p:cNvGrpSpPr/>
+        <p:nvPr/>
+      </p:nvGrpSpPr>
+      <p:grpSpPr>
+        <a:xfrm>
+          <a:off x="0" y="0"/>
+          <a:ext cx="0" cy="0"/>
+          <a:chOff x="0" y="0"/>
+          <a:chExt cx="0" cy="0"/>
+        </a:xfrm>
+      </p:grpSpPr>
+      <p:sp>
+        <p:nvSpPr>
+          <p:cNvPr id="2" name="幻灯片图像占位符 1"/>
+          <p:cNvSpPr>
+            <a:spLocks noGrp="1" noRot="1" noChangeAspect="1"/>
+          </p:cNvSpPr>
+          <p:nvPr>
+            <p:ph type="sldImg"/>
+          </p:nvPr>
+        </p:nvSpPr>
+        <p:spPr/>
+      </p:sp>
+      <p:sp>
+        <p:nvSpPr>
+          <p:cNvPr id="3" name="备注占位符 2"/>
+          <p:cNvSpPr>
+            <a:spLocks noGrp="1"/>
+          </p:cNvSpPr>
+          <p:nvPr>
+            <p:ph type="body" idx="1"/>
+          </p:nvPr>
+        </p:nvSpPr>
+        <p:spPr/>
+        <p:txBody>
+          <a:bodyPr/>
+          <a:lstStyle/>
+          <a:p>
             <a:endParaRPr lang="zh-CN" altLang="en-US" dirty="0"/>
           </a:p>
         </p:txBody>
@@ -6526,6 +6605,874 @@
         <p:cTn id="1" dur="indefinite" restart="never" nodeType="tmRoot"/>
       </p:par>
     </p:tnLst>
+  </p:timing>
+</p:sld>
+</file>
+
+<file path=ppt/slides/slide16.xml><?xml version="1.0" encoding="utf-8"?>
+<p:sld xmlns:a="http://schemas.openxmlformats.org/drawingml/2006/main" xmlns:r="http://schemas.openxmlformats.org/officeDocument/2006/relationships" xmlns:p="http://schemas.openxmlformats.org/presentationml/2006/main">
+  <p:cSld>
+    <p:spTree>
+      <p:nvGrpSpPr>
+        <p:cNvPr id="1" name=""/>
+        <p:cNvGrpSpPr/>
+        <p:nvPr/>
+      </p:nvGrpSpPr>
+      <p:grpSpPr>
+        <a:xfrm>
+          <a:off x="0" y="0"/>
+          <a:ext cx="0" cy="0"/>
+          <a:chOff x="0" y="0"/>
+          <a:chExt cx="0" cy="0"/>
+        </a:xfrm>
+      </p:grpSpPr>
+      <p:sp>
+        <p:nvSpPr>
+          <p:cNvPr id="11266" name="内容占位符 1"/>
+          <p:cNvSpPr>
+            <a:spLocks noGrp="1"/>
+          </p:cNvSpPr>
+          <p:nvPr>
+            <p:ph sz="quarter" idx="10"/>
+          </p:nvPr>
+        </p:nvSpPr>
+        <p:spPr bwMode="auto">
+          <a:xfrm>
+            <a:off x="947420" y="868680"/>
+            <a:ext cx="10248900" cy="5207000"/>
+          </a:xfrm>
+          <a:noFill/>
+          <a:extLst>
+            <a:ext uri="{909E8E84-426E-40DD-AFC4-6F175D3DCCD1}">
+              <a14:hiddenFill xmlns:a14="http://schemas.microsoft.com/office/drawing/2010/main">
+                <a:solidFill>
+                  <a:srgbClr val="FFFFFF"/>
+                </a:solidFill>
+              </a14:hiddenFill>
+            </a:ext>
+            <a:ext uri="{91240B29-F687-4F45-9708-019B960494DF}">
+              <a14:hiddenLine xmlns:a14="http://schemas.microsoft.com/office/drawing/2010/main" w="9525">
+                <a:solidFill>
+                  <a:srgbClr val="000000"/>
+                </a:solidFill>
+                <a:miter lim="800000"/>
+                <a:headEnd/>
+                <a:tailEnd/>
+              </a14:hiddenLine>
+            </a:ext>
+          </a:extLst>
+        </p:spPr>
+        <p:txBody>
+          <a:bodyPr vert="horz" wrap="square" lIns="91440" tIns="45720" rIns="91440" bIns="45720" numCol="1" anchor="t" anchorCtr="0" compatLnSpc="1"/>
+          <a:lstStyle/>
+          <a:p>
+            <a:pPr>
+              <a:lnSpc>
+                <a:spcPct val="130000"/>
+              </a:lnSpc>
+            </a:pPr>
+            <a:endParaRPr kumimoji="0" lang="zh-CN" altLang="en-US" sz="3200" dirty="0" smtClean="0">
+              <a:solidFill>
+                <a:schemeClr val="accent3"/>
+              </a:solidFill>
+              <a:sym typeface="+mn-ea"/>
+            </a:endParaRPr>
+          </a:p>
+          <a:p>
+            <a:pPr>
+              <a:lnSpc>
+                <a:spcPct val="130000"/>
+              </a:lnSpc>
+            </a:pPr>
+            <a:endParaRPr kumimoji="0" lang="zh-CN" altLang="en-US" sz="3200" dirty="0" smtClean="0">
+              <a:solidFill>
+                <a:schemeClr val="tx1"/>
+              </a:solidFill>
+            </a:endParaRPr>
+          </a:p>
+          <a:p>
+            <a:pPr eaLnBrk="1" hangingPunct="1">
+              <a:lnSpc>
+                <a:spcPct val="150000"/>
+              </a:lnSpc>
+            </a:pPr>
+            <a:endParaRPr kumimoji="0" lang="en-US" altLang="zh-CN" sz="3600" dirty="0" smtClean="0">
+              <a:solidFill>
+                <a:schemeClr val="tx1"/>
+              </a:solidFill>
+            </a:endParaRPr>
+          </a:p>
+          <a:p>
+            <a:pPr eaLnBrk="1" hangingPunct="1">
+              <a:lnSpc>
+                <a:spcPct val="150000"/>
+              </a:lnSpc>
+            </a:pPr>
+            <a:endParaRPr kumimoji="0" lang="zh-CN" altLang="en-US" dirty="0" smtClean="0">
+              <a:solidFill>
+                <a:schemeClr val="tx1"/>
+              </a:solidFill>
+            </a:endParaRPr>
+          </a:p>
+        </p:txBody>
+      </p:sp>
+      <p:sp>
+        <p:nvSpPr>
+          <p:cNvPr id="2" name="内容占位符 1"/>
+          <p:cNvSpPr>
+            <a:spLocks noGrp="1"/>
+          </p:cNvSpPr>
+          <p:nvPr>
+            <p:ph sz="quarter" idx="11"/>
+          </p:nvPr>
+        </p:nvSpPr>
+        <p:spPr>
+          <a:xfrm>
+            <a:off x="947204" y="308698"/>
+            <a:ext cx="8191557" cy="490476"/>
+          </a:xfrm>
+        </p:spPr>
+        <p:txBody>
+          <a:bodyPr/>
+          <a:lstStyle/>
+          <a:p>
+            <a:r>
+              <a:rPr kumimoji="0" lang="zh-CN" altLang="en-US" dirty="0">
+                <a:sym typeface="+mn-ea"/>
+              </a:rPr>
+              <a:t>闭包的常见形式（函数作为参数）</a:t>
+            </a:r>
+            <a:endParaRPr kumimoji="0" lang="zh-CN" altLang="en-US" dirty="0"/>
+          </a:p>
+        </p:txBody>
+      </p:sp>
+      <p:pic>
+        <p:nvPicPr>
+          <p:cNvPr id="3" name="图片 2"/>
+          <p:cNvPicPr>
+            <a:picLocks noChangeAspect="1"/>
+          </p:cNvPicPr>
+          <p:nvPr/>
+        </p:nvPicPr>
+        <p:blipFill>
+          <a:blip r:embed="rId1"/>
+          <a:stretch>
+            <a:fillRect/>
+          </a:stretch>
+        </p:blipFill>
+        <p:spPr>
+          <a:xfrm>
+            <a:off x="999490" y="1748790"/>
+            <a:ext cx="4852035" cy="4097655"/>
+          </a:xfrm>
+          <a:prstGeom prst="rect">
+            <a:avLst/>
+          </a:prstGeom>
+        </p:spPr>
+      </p:pic>
+      <p:sp>
+        <p:nvSpPr>
+          <p:cNvPr id="4" name="文本框 3"/>
+          <p:cNvSpPr txBox="1"/>
+          <p:nvPr/>
+        </p:nvSpPr>
+        <p:spPr>
+          <a:xfrm>
+            <a:off x="6306820" y="6113780"/>
+            <a:ext cx="4890135" cy="429895"/>
+          </a:xfrm>
+          <a:prstGeom prst="rect">
+            <a:avLst/>
+          </a:prstGeom>
+          <a:noFill/>
+        </p:spPr>
+        <p:txBody>
+          <a:bodyPr wrap="square" rtlCol="0">
+            <a:spAutoFit/>
+          </a:bodyPr>
+          <a:lstStyle/>
+          <a:p>
+            <a:pPr algn="l"/>
+            <a:r>
+              <a:rPr lang="zh-CN" altLang="en-US" sz="2200">
+                <a:solidFill>
+                  <a:srgbClr val="FF0000"/>
+                </a:solidFill>
+                <a:latin typeface="+mn-ea"/>
+                <a:ea typeface="+mn-ea"/>
+              </a:rPr>
+              <a:t>参见实例</a:t>
+            </a:r>
+            <a:r>
+              <a:rPr lang="en-US" altLang="zh-CN" sz="2200">
+                <a:solidFill>
+                  <a:srgbClr val="FF0000"/>
+                </a:solidFill>
+                <a:latin typeface="+mn-ea"/>
+                <a:ea typeface="+mn-ea"/>
+              </a:rPr>
+              <a:t>demo10 Part2</a:t>
+            </a:r>
+            <a:endParaRPr lang="en-US" sz="2200">
+              <a:solidFill>
+                <a:srgbClr val="FF0000"/>
+              </a:solidFill>
+              <a:latin typeface="+mn-ea"/>
+              <a:ea typeface="+mn-ea"/>
+            </a:endParaRPr>
+          </a:p>
+        </p:txBody>
+      </p:sp>
+      <p:sp>
+        <p:nvSpPr>
+          <p:cNvPr id="5" name="内容占位符 1"/>
+          <p:cNvSpPr>
+            <a:spLocks noGrp="1"/>
+          </p:cNvSpPr>
+          <p:nvPr/>
+        </p:nvSpPr>
+        <p:spPr bwMode="auto">
+          <a:xfrm>
+            <a:off x="947420" y="868680"/>
+            <a:ext cx="10880725" cy="5207000"/>
+          </a:xfrm>
+          <a:prstGeom prst="rect">
+            <a:avLst/>
+          </a:prstGeom>
+          <a:noFill/>
+          <a:extLst>
+            <a:ext uri="{909E8E84-426E-40DD-AFC4-6F175D3DCCD1}">
+              <a14:hiddenFill xmlns:a14="http://schemas.microsoft.com/office/drawing/2010/main">
+                <a:solidFill>
+                  <a:srgbClr val="FFFFFF"/>
+                </a:solidFill>
+              </a14:hiddenFill>
+            </a:ext>
+            <a:ext uri="{91240B29-F687-4F45-9708-019B960494DF}">
+              <a14:hiddenLine xmlns:a14="http://schemas.microsoft.com/office/drawing/2010/main" w="9525">
+                <a:solidFill>
+                  <a:srgbClr val="000000"/>
+                </a:solidFill>
+                <a:miter lim="800000"/>
+                <a:headEnd/>
+                <a:tailEnd/>
+              </a14:hiddenLine>
+            </a:ext>
+          </a:extLst>
+        </p:spPr>
+        <p:txBody>
+          <a:bodyPr vert="horz" wrap="square" lIns="91440" tIns="45720" rIns="91440" bIns="45720" numCol="1" anchor="t" anchorCtr="0" compatLnSpc="1"/>
+          <a:lstStyle>
+            <a:lvl1pPr marL="167005" indent="-167005" algn="l" defTabSz="0" rtl="0" eaLnBrk="0" fontAlgn="base" hangingPunct="0">
+              <a:spcBef>
+                <a:spcPct val="0"/>
+              </a:spcBef>
+              <a:spcAft>
+                <a:spcPct val="15000"/>
+              </a:spcAft>
+              <a:buClr>
+                <a:schemeClr val="tx2"/>
+              </a:buClr>
+              <a:buFont typeface="Arial" panose="020B0604020202020204" pitchFamily="34" charset="0"/>
+              <a:buChar char="•"/>
+              <a:defRPr kumimoji="1" sz="2800">
+                <a:solidFill>
+                  <a:srgbClr val="006F53"/>
+                </a:solidFill>
+                <a:latin typeface="微软雅黑" panose="020B0503020204020204" pitchFamily="34" charset="-122"/>
+                <a:ea typeface="微软雅黑" panose="020B0503020204020204" pitchFamily="34" charset="-122"/>
+                <a:cs typeface="微软雅黑" panose="020B0503020204020204" pitchFamily="34" charset="-122"/>
+              </a:defRPr>
+            </a:lvl1pPr>
+            <a:lvl2pPr marL="398780" indent="-230505" algn="l" defTabSz="0" rtl="0" eaLnBrk="0" fontAlgn="base" hangingPunct="0">
+              <a:spcBef>
+                <a:spcPct val="0"/>
+              </a:spcBef>
+              <a:spcAft>
+                <a:spcPct val="15000"/>
+              </a:spcAft>
+              <a:buClr>
+                <a:schemeClr val="tx2"/>
+              </a:buClr>
+              <a:buFont typeface="Arial" panose="020B0604020202020204" pitchFamily="34" charset="0"/>
+              <a:buChar char="–"/>
+              <a:defRPr kumimoji="1" sz="2000">
+                <a:solidFill>
+                  <a:schemeClr val="tx1"/>
+                </a:solidFill>
+                <a:latin typeface="微软雅黑" panose="020B0503020204020204" pitchFamily="34" charset="-122"/>
+                <a:ea typeface="微软雅黑" panose="020B0503020204020204" pitchFamily="34" charset="-122"/>
+                <a:cs typeface="微软雅黑" panose="020B0503020204020204" pitchFamily="34" charset="-122"/>
+              </a:defRPr>
+            </a:lvl2pPr>
+            <a:lvl3pPr marL="400050" indent="182880" algn="l" defTabSz="0" rtl="0" eaLnBrk="0" fontAlgn="base" hangingPunct="0">
+              <a:spcBef>
+                <a:spcPct val="0"/>
+              </a:spcBef>
+              <a:spcAft>
+                <a:spcPct val="15000"/>
+              </a:spcAft>
+              <a:buClr>
+                <a:schemeClr val="tx2"/>
+              </a:buClr>
+              <a:buFont typeface="Arial" panose="020B0604020202020204" pitchFamily="34" charset="0"/>
+              <a:buChar char="•"/>
+              <a:defRPr kumimoji="1" sz="1600">
+                <a:solidFill>
+                  <a:schemeClr val="tx1"/>
+                </a:solidFill>
+                <a:latin typeface="微软雅黑" panose="020B0503020204020204" pitchFamily="34" charset="-122"/>
+                <a:ea typeface="微软雅黑" panose="020B0503020204020204" pitchFamily="34" charset="-122"/>
+                <a:cs typeface="微软雅黑" panose="020B0503020204020204" pitchFamily="34" charset="-122"/>
+              </a:defRPr>
+            </a:lvl3pPr>
+            <a:lvl4pPr marL="825500" indent="-241300" algn="l" defTabSz="0" rtl="0" eaLnBrk="0" fontAlgn="base" hangingPunct="0">
+              <a:spcBef>
+                <a:spcPct val="0"/>
+              </a:spcBef>
+              <a:spcAft>
+                <a:spcPct val="15000"/>
+              </a:spcAft>
+              <a:buClr>
+                <a:schemeClr val="tx2"/>
+              </a:buClr>
+              <a:buFont typeface="Arial" panose="020B0604020202020204" pitchFamily="34" charset="0"/>
+              <a:buChar char="–"/>
+              <a:defRPr kumimoji="1" sz="1600">
+                <a:solidFill>
+                  <a:schemeClr val="tx1"/>
+                </a:solidFill>
+                <a:latin typeface="微软雅黑" panose="020B0503020204020204" pitchFamily="34" charset="-122"/>
+                <a:ea typeface="微软雅黑" panose="020B0503020204020204" pitchFamily="34" charset="-122"/>
+                <a:cs typeface="微软雅黑" panose="020B0503020204020204" pitchFamily="34" charset="-122"/>
+              </a:defRPr>
+            </a:lvl4pPr>
+            <a:lvl5pPr marL="2057400" indent="-228600" algn="l" defTabSz="0" rtl="0" eaLnBrk="0" fontAlgn="base" hangingPunct="0">
+              <a:spcBef>
+                <a:spcPct val="0"/>
+              </a:spcBef>
+              <a:spcAft>
+                <a:spcPct val="25000"/>
+              </a:spcAft>
+              <a:buClr>
+                <a:schemeClr val="tx2"/>
+              </a:buClr>
+              <a:buFont typeface="Arial" panose="020B0604020202020204" pitchFamily="34" charset="0"/>
+              <a:buChar char="–"/>
+              <a:defRPr kumimoji="1" sz="2000">
+                <a:solidFill>
+                  <a:schemeClr val="tx1"/>
+                </a:solidFill>
+                <a:latin typeface="+mn-lt"/>
+                <a:ea typeface="微软雅黑" panose="020B0503020204020204" pitchFamily="34" charset="-122"/>
+                <a:cs typeface="微软雅黑" panose="020B0503020204020204" pitchFamily="34" charset="-122"/>
+              </a:defRPr>
+            </a:lvl5pPr>
+            <a:lvl6pPr marL="2514600" indent="-228600" algn="l" defTabSz="0" rtl="0" eaLnBrk="0" fontAlgn="base" hangingPunct="0">
+              <a:spcBef>
+                <a:spcPct val="0"/>
+              </a:spcBef>
+              <a:spcAft>
+                <a:spcPct val="25000"/>
+              </a:spcAft>
+              <a:buClr>
+                <a:schemeClr val="tx2"/>
+              </a:buClr>
+              <a:buFont typeface="Arial" panose="020B0604020202020204" pitchFamily="34" charset="0"/>
+              <a:buChar char="–"/>
+              <a:defRPr>
+                <a:solidFill>
+                  <a:schemeClr val="tx1"/>
+                </a:solidFill>
+                <a:latin typeface="+mn-lt"/>
+              </a:defRPr>
+            </a:lvl6pPr>
+            <a:lvl7pPr marL="2971800" indent="-228600" algn="l" defTabSz="0" rtl="0" eaLnBrk="0" fontAlgn="base" hangingPunct="0">
+              <a:spcBef>
+                <a:spcPct val="0"/>
+              </a:spcBef>
+              <a:spcAft>
+                <a:spcPct val="25000"/>
+              </a:spcAft>
+              <a:buClr>
+                <a:schemeClr val="tx2"/>
+              </a:buClr>
+              <a:buFont typeface="Arial" panose="020B0604020202020204" pitchFamily="34" charset="0"/>
+              <a:buChar char="–"/>
+              <a:defRPr>
+                <a:solidFill>
+                  <a:schemeClr val="tx1"/>
+                </a:solidFill>
+                <a:latin typeface="+mn-lt"/>
+              </a:defRPr>
+            </a:lvl7pPr>
+            <a:lvl8pPr marL="3429000" indent="-228600" algn="l" defTabSz="0" rtl="0" eaLnBrk="0" fontAlgn="base" hangingPunct="0">
+              <a:spcBef>
+                <a:spcPct val="0"/>
+              </a:spcBef>
+              <a:spcAft>
+                <a:spcPct val="25000"/>
+              </a:spcAft>
+              <a:buClr>
+                <a:schemeClr val="tx2"/>
+              </a:buClr>
+              <a:buFont typeface="Arial" panose="020B0604020202020204" pitchFamily="34" charset="0"/>
+              <a:buChar char="–"/>
+              <a:defRPr>
+                <a:solidFill>
+                  <a:schemeClr val="tx1"/>
+                </a:solidFill>
+                <a:latin typeface="+mn-lt"/>
+              </a:defRPr>
+            </a:lvl8pPr>
+            <a:lvl9pPr marL="3886200" indent="-228600" algn="l" defTabSz="0" rtl="0" eaLnBrk="0" fontAlgn="base" hangingPunct="0">
+              <a:spcBef>
+                <a:spcPct val="0"/>
+              </a:spcBef>
+              <a:spcAft>
+                <a:spcPct val="25000"/>
+              </a:spcAft>
+              <a:buClr>
+                <a:schemeClr val="tx2"/>
+              </a:buClr>
+              <a:buFont typeface="Arial" panose="020B0604020202020204" pitchFamily="34" charset="0"/>
+              <a:buChar char="–"/>
+              <a:defRPr>
+                <a:solidFill>
+                  <a:schemeClr val="tx1"/>
+                </a:solidFill>
+                <a:latin typeface="+mn-lt"/>
+              </a:defRPr>
+            </a:lvl9pPr>
+          </a:lstStyle>
+          <a:p>
+            <a:pPr>
+              <a:lnSpc>
+                <a:spcPct val="130000"/>
+              </a:lnSpc>
+            </a:pPr>
+            <a:r>
+              <a:rPr kumimoji="0" lang="zh-CN" altLang="en-US" sz="3200" dirty="0" smtClean="0">
+                <a:solidFill>
+                  <a:schemeClr val="tx1"/>
+                </a:solidFill>
+                <a:sym typeface="+mn-ea"/>
+              </a:rPr>
+              <a:t>综合实例（闭包、高阶函数、静态词法作用域、IIFE）</a:t>
+            </a:r>
+            <a:endParaRPr kumimoji="0" lang="zh-CN" altLang="en-US" sz="3200" dirty="0" smtClean="0">
+              <a:solidFill>
+                <a:schemeClr val="tx1"/>
+              </a:solidFill>
+              <a:sym typeface="+mn-ea"/>
+            </a:endParaRPr>
+          </a:p>
+          <a:p>
+            <a:pPr>
+              <a:lnSpc>
+                <a:spcPct val="130000"/>
+              </a:lnSpc>
+            </a:pPr>
+            <a:endParaRPr kumimoji="0" lang="zh-CN" altLang="en-US" sz="3200" dirty="0" smtClean="0">
+              <a:solidFill>
+                <a:schemeClr val="tx1"/>
+              </a:solidFill>
+              <a:sym typeface="+mn-ea"/>
+            </a:endParaRPr>
+          </a:p>
+          <a:p>
+            <a:pPr eaLnBrk="1" hangingPunct="1">
+              <a:lnSpc>
+                <a:spcPct val="150000"/>
+              </a:lnSpc>
+            </a:pPr>
+            <a:endParaRPr kumimoji="0" lang="en-US" altLang="zh-CN" sz="3600" dirty="0" smtClean="0">
+              <a:solidFill>
+                <a:schemeClr val="tx1"/>
+              </a:solidFill>
+            </a:endParaRPr>
+          </a:p>
+          <a:p>
+            <a:pPr eaLnBrk="1" hangingPunct="1">
+              <a:lnSpc>
+                <a:spcPct val="150000"/>
+              </a:lnSpc>
+            </a:pPr>
+            <a:endParaRPr kumimoji="0" lang="zh-CN" altLang="en-US" dirty="0" smtClean="0">
+              <a:solidFill>
+                <a:schemeClr val="tx1"/>
+              </a:solidFill>
+            </a:endParaRPr>
+          </a:p>
+        </p:txBody>
+      </p:sp>
+      <p:sp>
+        <p:nvSpPr>
+          <p:cNvPr id="6" name="文本框 5"/>
+          <p:cNvSpPr txBox="1"/>
+          <p:nvPr/>
+        </p:nvSpPr>
+        <p:spPr>
+          <a:xfrm>
+            <a:off x="6385560" y="4805680"/>
+            <a:ext cx="2897505" cy="1106805"/>
+          </a:xfrm>
+          <a:prstGeom prst="rect">
+            <a:avLst/>
+          </a:prstGeom>
+          <a:noFill/>
+        </p:spPr>
+        <p:txBody>
+          <a:bodyPr wrap="square" rtlCol="0">
+            <a:spAutoFit/>
+          </a:bodyPr>
+          <a:lstStyle/>
+          <a:p>
+            <a:pPr algn="l"/>
+            <a:r>
+              <a:rPr lang="zh-CN" altLang="en-US" sz="2200">
+                <a:solidFill>
+                  <a:schemeClr val="tx1"/>
+                </a:solidFill>
+                <a:latin typeface="+mn-ea"/>
+                <a:ea typeface="+mn-ea"/>
+              </a:rPr>
+              <a:t>左侧实例输出什么</a:t>
+            </a:r>
+            <a:r>
+              <a:rPr lang="zh-CN" sz="2200">
+                <a:solidFill>
+                  <a:schemeClr val="tx1"/>
+                </a:solidFill>
+                <a:latin typeface="+mn-ea"/>
+                <a:ea typeface="+mn-ea"/>
+              </a:rPr>
+              <a:t>？</a:t>
+            </a:r>
+            <a:endParaRPr lang="zh-CN" sz="2200">
+              <a:solidFill>
+                <a:schemeClr val="tx1"/>
+              </a:solidFill>
+              <a:latin typeface="+mn-ea"/>
+              <a:ea typeface="+mn-ea"/>
+            </a:endParaRPr>
+          </a:p>
+          <a:p>
+            <a:pPr algn="l"/>
+            <a:r>
+              <a:rPr lang="zh-CN" altLang="en-US" sz="2200">
+                <a:solidFill>
+                  <a:srgbClr val="FF0000"/>
+                </a:solidFill>
+                <a:latin typeface="+mn-ea"/>
+                <a:ea typeface="+mn-ea"/>
+                <a:sym typeface="+mn-ea"/>
+              </a:rPr>
+              <a:t>使用断点调试查看代码的运行状况</a:t>
+            </a:r>
+            <a:endParaRPr lang="zh-CN" sz="2200">
+              <a:solidFill>
+                <a:schemeClr val="tx1"/>
+              </a:solidFill>
+              <a:latin typeface="+mn-ea"/>
+              <a:ea typeface="+mn-ea"/>
+            </a:endParaRPr>
+          </a:p>
+        </p:txBody>
+      </p:sp>
+    </p:spTree>
+  </p:cSld>
+  <p:clrMapOvr>
+    <a:masterClrMapping/>
+  </p:clrMapOvr>
+  <p:timing>
+    <p:tnLst>
+      <p:par>
+        <p:cTn id="1" dur="indefinite" restart="never" nodeType="tmRoot">
+          <p:childTnLst>
+            <p:seq concurrent="1" nextAc="seek">
+              <p:cTn id="2" dur="indefinite" nodeType="mainSeq">
+                <p:childTnLst>
+                  <p:par>
+                    <p:cTn id="3" fill="hold">
+                      <p:stCondLst>
+                        <p:cond delay="indefinite"/>
+                      </p:stCondLst>
+                      <p:childTnLst>
+                        <p:par>
+                          <p:cTn id="4" fill="hold">
+                            <p:stCondLst>
+                              <p:cond delay="0"/>
+                            </p:stCondLst>
+                            <p:childTnLst>
+                              <p:par>
+                                <p:cTn id="5" presetID="2" presetClass="entr" presetSubtype="4" fill="hold" nodeType="clickEffect">
+                                  <p:stCondLst>
+                                    <p:cond delay="0"/>
+                                  </p:stCondLst>
+                                  <p:childTnLst>
+                                    <p:set>
+                                      <p:cBhvr>
+                                        <p:cTn id="6" dur="1" fill="hold">
+                                          <p:stCondLst>
+                                            <p:cond delay="0"/>
+                                          </p:stCondLst>
+                                        </p:cTn>
+                                        <p:tgtEl>
+                                          <p:spTgt spid="3"/>
+                                        </p:tgtEl>
+                                        <p:attrNameLst>
+                                          <p:attrName>style.visibility</p:attrName>
+                                        </p:attrNameLst>
+                                      </p:cBhvr>
+                                      <p:to>
+                                        <p:strVal val="visible"/>
+                                      </p:to>
+                                    </p:set>
+                                    <p:anim calcmode="lin" valueType="num">
+                                      <p:cBhvr additive="base">
+                                        <p:cTn id="7" dur="500" fill="hold"/>
+                                        <p:tgtEl>
+                                          <p:spTgt spid="3"/>
+                                        </p:tgtEl>
+                                        <p:attrNameLst>
+                                          <p:attrName>ppt_x</p:attrName>
+                                        </p:attrNameLst>
+                                      </p:cBhvr>
+                                      <p:tavLst>
+                                        <p:tav tm="0">
+                                          <p:val>
+                                            <p:strVal val="#ppt_x"/>
+                                          </p:val>
+                                        </p:tav>
+                                        <p:tav tm="100000">
+                                          <p:val>
+                                            <p:strVal val="#ppt_x"/>
+                                          </p:val>
+                                        </p:tav>
+                                      </p:tavLst>
+                                    </p:anim>
+                                    <p:anim calcmode="lin" valueType="num">
+                                      <p:cBhvr additive="base">
+                                        <p:cTn id="8" dur="500" fill="hold"/>
+                                        <p:tgtEl>
+                                          <p:spTgt spid="3"/>
+                                        </p:tgtEl>
+                                        <p:attrNameLst>
+                                          <p:attrName>ppt_y</p:attrName>
+                                        </p:attrNameLst>
+                                      </p:cBhvr>
+                                      <p:tavLst>
+                                        <p:tav tm="0">
+                                          <p:val>
+                                            <p:strVal val="1+#ppt_h/2"/>
+                                          </p:val>
+                                        </p:tav>
+                                        <p:tav tm="100000">
+                                          <p:val>
+                                            <p:strVal val="#ppt_y"/>
+                                          </p:val>
+                                        </p:tav>
+                                      </p:tavLst>
+                                    </p:anim>
+                                  </p:childTnLst>
+                                </p:cTn>
+                              </p:par>
+                            </p:childTnLst>
+                          </p:cTn>
+                        </p:par>
+                        <p:par>
+                          <p:cTn id="9" fill="hold">
+                            <p:stCondLst>
+                              <p:cond delay="500"/>
+                            </p:stCondLst>
+                            <p:childTnLst>
+                              <p:par>
+                                <p:cTn id="10" presetID="2" presetClass="entr" presetSubtype="4" fill="hold" grpId="0" nodeType="afterEffect">
+                                  <p:stCondLst>
+                                    <p:cond delay="0"/>
+                                  </p:stCondLst>
+                                  <p:childTnLst>
+                                    <p:set>
+                                      <p:cBhvr>
+                                        <p:cTn id="11" dur="1" fill="hold">
+                                          <p:stCondLst>
+                                            <p:cond delay="0"/>
+                                          </p:stCondLst>
+                                        </p:cTn>
+                                        <p:tgtEl>
+                                          <p:spTgt spid="4"/>
+                                        </p:tgtEl>
+                                        <p:attrNameLst>
+                                          <p:attrName>style.visibility</p:attrName>
+                                        </p:attrNameLst>
+                                      </p:cBhvr>
+                                      <p:to>
+                                        <p:strVal val="visible"/>
+                                      </p:to>
+                                    </p:set>
+                                    <p:anim calcmode="lin" valueType="num">
+                                      <p:cBhvr additive="base">
+                                        <p:cTn id="12" dur="500" fill="hold"/>
+                                        <p:tgtEl>
+                                          <p:spTgt spid="4"/>
+                                        </p:tgtEl>
+                                        <p:attrNameLst>
+                                          <p:attrName>ppt_x</p:attrName>
+                                        </p:attrNameLst>
+                                      </p:cBhvr>
+                                      <p:tavLst>
+                                        <p:tav tm="0">
+                                          <p:val>
+                                            <p:strVal val="#ppt_x"/>
+                                          </p:val>
+                                        </p:tav>
+                                        <p:tav tm="100000">
+                                          <p:val>
+                                            <p:strVal val="#ppt_x"/>
+                                          </p:val>
+                                        </p:tav>
+                                      </p:tavLst>
+                                    </p:anim>
+                                    <p:anim calcmode="lin" valueType="num">
+                                      <p:cBhvr additive="base">
+                                        <p:cTn id="13" dur="500" fill="hold"/>
+                                        <p:tgtEl>
+                                          <p:spTgt spid="4"/>
+                                        </p:tgtEl>
+                                        <p:attrNameLst>
+                                          <p:attrName>ppt_y</p:attrName>
+                                        </p:attrNameLst>
+                                      </p:cBhvr>
+                                      <p:tavLst>
+                                        <p:tav tm="0">
+                                          <p:val>
+                                            <p:strVal val="1+#ppt_h/2"/>
+                                          </p:val>
+                                        </p:tav>
+                                        <p:tav tm="100000">
+                                          <p:val>
+                                            <p:strVal val="#ppt_y"/>
+                                          </p:val>
+                                        </p:tav>
+                                      </p:tavLst>
+                                    </p:anim>
+                                  </p:childTnLst>
+                                </p:cTn>
+                              </p:par>
+                            </p:childTnLst>
+                          </p:cTn>
+                        </p:par>
+                        <p:par>
+                          <p:cTn id="14" fill="hold">
+                            <p:stCondLst>
+                              <p:cond delay="1000"/>
+                            </p:stCondLst>
+                            <p:childTnLst>
+                              <p:par>
+                                <p:cTn id="15" presetID="2" presetClass="entr" presetSubtype="4" fill="hold" grpId="0" nodeType="afterEffect">
+                                  <p:stCondLst>
+                                    <p:cond delay="0"/>
+                                  </p:stCondLst>
+                                  <p:childTnLst>
+                                    <p:set>
+                                      <p:cBhvr>
+                                        <p:cTn id="16" dur="1" fill="hold">
+                                          <p:stCondLst>
+                                            <p:cond delay="0"/>
+                                          </p:stCondLst>
+                                        </p:cTn>
+                                        <p:tgtEl>
+                                          <p:spTgt spid="6"/>
+                                        </p:tgtEl>
+                                        <p:attrNameLst>
+                                          <p:attrName>style.visibility</p:attrName>
+                                        </p:attrNameLst>
+                                      </p:cBhvr>
+                                      <p:to>
+                                        <p:strVal val="visible"/>
+                                      </p:to>
+                                    </p:set>
+                                    <p:anim calcmode="lin" valueType="num">
+                                      <p:cBhvr additive="base">
+                                        <p:cTn id="17" dur="500" fill="hold"/>
+                                        <p:tgtEl>
+                                          <p:spTgt spid="6"/>
+                                        </p:tgtEl>
+                                        <p:attrNameLst>
+                                          <p:attrName>ppt_x</p:attrName>
+                                        </p:attrNameLst>
+                                      </p:cBhvr>
+                                      <p:tavLst>
+                                        <p:tav tm="0">
+                                          <p:val>
+                                            <p:strVal val="#ppt_x"/>
+                                          </p:val>
+                                        </p:tav>
+                                        <p:tav tm="100000">
+                                          <p:val>
+                                            <p:strVal val="#ppt_x"/>
+                                          </p:val>
+                                        </p:tav>
+                                      </p:tavLst>
+                                    </p:anim>
+                                    <p:anim calcmode="lin" valueType="num">
+                                      <p:cBhvr additive="base">
+                                        <p:cTn id="18" dur="500" fill="hold"/>
+                                        <p:tgtEl>
+                                          <p:spTgt spid="6"/>
+                                        </p:tgtEl>
+                                        <p:attrNameLst>
+                                          <p:attrName>ppt_y</p:attrName>
+                                        </p:attrNameLst>
+                                      </p:cBhvr>
+                                      <p:tavLst>
+                                        <p:tav tm="0">
+                                          <p:val>
+                                            <p:strVal val="1+#ppt_h/2"/>
+                                          </p:val>
+                                        </p:tav>
+                                        <p:tav tm="100000">
+                                          <p:val>
+                                            <p:strVal val="#ppt_y"/>
+                                          </p:val>
+                                        </p:tav>
+                                      </p:tavLst>
+                                    </p:anim>
+                                  </p:childTnLst>
+                                </p:cTn>
+                              </p:par>
+                            </p:childTnLst>
+                          </p:cTn>
+                        </p:par>
+                      </p:childTnLst>
+                    </p:cTn>
+                  </p:par>
+                </p:childTnLst>
+              </p:cTn>
+              <p:prevCondLst>
+                <p:cond evt="onPrev" delay="0">
+                  <p:tgtEl>
+                    <p:sldTgt/>
+                  </p:tgtEl>
+                </p:cond>
+              </p:prevCondLst>
+              <p:nextCondLst>
+                <p:cond evt="onNext" delay="0">
+                  <p:tgtEl>
+                    <p:sldTgt/>
+                  </p:tgtEl>
+                </p:cond>
+              </p:nextCondLst>
+            </p:seq>
+          </p:childTnLst>
+        </p:cTn>
+      </p:par>
+    </p:tnLst>
+    <p:bldLst>
+      <p:bldP spid="4" grpId="0"/>
+      <p:bldP spid="6" grpId="0"/>
+    </p:bldLst>
   </p:timing>
 </p:sld>
 </file>
